--- a/Our Class Graph Slides.pptx
+++ b/Our Class Graph Slides.pptx
@@ -4,8 +4,19 @@
   <p:sldMasterIdLst>
     <p:sldMasterId id="2147483660" r:id="rId1"/>
   </p:sldMasterIdLst>
+  <p:notesMasterIdLst>
+    <p:notesMasterId r:id="rId11"/>
+  </p:notesMasterIdLst>
   <p:sldIdLst>
     <p:sldId id="256" r:id="rId2"/>
+    <p:sldId id="257" r:id="rId3"/>
+    <p:sldId id="258" r:id="rId4"/>
+    <p:sldId id="259" r:id="rId5"/>
+    <p:sldId id="260" r:id="rId6"/>
+    <p:sldId id="265" r:id="rId7"/>
+    <p:sldId id="266" r:id="rId8"/>
+    <p:sldId id="267" r:id="rId9"/>
+    <p:sldId id="268" r:id="rId10"/>
   </p:sldIdLst>
   <p:sldSz cx="12192000" cy="6858000"/>
   <p:notesSz cx="6858000" cy="9144000"/>
@@ -104,7 +115,1065 @@
       </a:defRPr>
     </a:lvl9pPr>
   </p:defaultTextStyle>
+  <p:extLst>
+    <p:ext uri="{EFAFB233-063F-42B5-8137-9DF3F51BA10A}">
+      <p15:sldGuideLst xmlns:p15="http://schemas.microsoft.com/office/powerpoint/2012/main"/>
+    </p:ext>
+  </p:extLst>
 </p:presentation>
+</file>
+
+<file path=ppt/notesMasters/notesMaster1.xml><?xml version="1.0" encoding="utf-8"?>
+<p:notesMaster xmlns:a="http://schemas.openxmlformats.org/drawingml/2006/main" xmlns:r="http://schemas.openxmlformats.org/officeDocument/2006/relationships" xmlns:p="http://schemas.openxmlformats.org/presentationml/2006/main">
+  <p:cSld>
+    <p:bg>
+      <p:bgRef idx="1001">
+        <a:schemeClr val="bg1"/>
+      </p:bgRef>
+    </p:bg>
+    <p:spTree>
+      <p:nvGrpSpPr>
+        <p:cNvPr id="1" name=""/>
+        <p:cNvGrpSpPr/>
+        <p:nvPr/>
+      </p:nvGrpSpPr>
+      <p:grpSpPr>
+        <a:xfrm>
+          <a:off x="0" y="0"/>
+          <a:ext cx="0" cy="0"/>
+          <a:chOff x="0" y="0"/>
+          <a:chExt cx="0" cy="0"/>
+        </a:xfrm>
+      </p:grpSpPr>
+      <p:sp>
+        <p:nvSpPr>
+          <p:cNvPr id="2" name="Header Placeholder 1"/>
+          <p:cNvSpPr>
+            <a:spLocks noGrp="1"/>
+          </p:cNvSpPr>
+          <p:nvPr>
+            <p:ph type="hdr" sz="quarter"/>
+          </p:nvPr>
+        </p:nvSpPr>
+        <p:spPr>
+          <a:xfrm>
+            <a:off x="0" y="0"/>
+            <a:ext cx="2971800" cy="458788"/>
+          </a:xfrm>
+          <a:prstGeom prst="rect">
+            <a:avLst/>
+          </a:prstGeom>
+        </p:spPr>
+        <p:txBody>
+          <a:bodyPr vert="horz" lIns="91440" tIns="45720" rIns="91440" bIns="45720" rtlCol="0"/>
+          <a:lstStyle>
+            <a:lvl1pPr algn="l">
+              <a:defRPr sz="1200"/>
+            </a:lvl1pPr>
+          </a:lstStyle>
+          <a:p>
+            <a:endParaRPr lang="en-US"/>
+          </a:p>
+        </p:txBody>
+      </p:sp>
+      <p:sp>
+        <p:nvSpPr>
+          <p:cNvPr id="3" name="Date Placeholder 2"/>
+          <p:cNvSpPr>
+            <a:spLocks noGrp="1"/>
+          </p:cNvSpPr>
+          <p:nvPr>
+            <p:ph type="dt" idx="1"/>
+          </p:nvPr>
+        </p:nvSpPr>
+        <p:spPr>
+          <a:xfrm>
+            <a:off x="3884613" y="0"/>
+            <a:ext cx="2971800" cy="458788"/>
+          </a:xfrm>
+          <a:prstGeom prst="rect">
+            <a:avLst/>
+          </a:prstGeom>
+        </p:spPr>
+        <p:txBody>
+          <a:bodyPr vert="horz" lIns="91440" tIns="45720" rIns="91440" bIns="45720" rtlCol="0"/>
+          <a:lstStyle>
+            <a:lvl1pPr algn="r">
+              <a:defRPr sz="1200"/>
+            </a:lvl1pPr>
+          </a:lstStyle>
+          <a:p>
+            <a:fld id="{1D029EFD-DFBB-4EE0-8EC1-33E0519F88A0}" type="datetimeFigureOut">
+              <a:rPr lang="en-US" smtClean="0"/>
+              <a:t>4/26/2019</a:t>
+            </a:fld>
+            <a:endParaRPr lang="en-US"/>
+          </a:p>
+        </p:txBody>
+      </p:sp>
+      <p:sp>
+        <p:nvSpPr>
+          <p:cNvPr id="4" name="Slide Image Placeholder 3"/>
+          <p:cNvSpPr>
+            <a:spLocks noGrp="1" noRot="1" noChangeAspect="1"/>
+          </p:cNvSpPr>
+          <p:nvPr>
+            <p:ph type="sldImg" idx="2"/>
+          </p:nvPr>
+        </p:nvSpPr>
+        <p:spPr>
+          <a:xfrm>
+            <a:off x="685800" y="1143000"/>
+            <a:ext cx="5486400" cy="3086100"/>
+          </a:xfrm>
+          <a:prstGeom prst="rect">
+            <a:avLst/>
+          </a:prstGeom>
+          <a:noFill/>
+          <a:ln w="12700">
+            <a:solidFill>
+              <a:prstClr val="black"/>
+            </a:solidFill>
+          </a:ln>
+        </p:spPr>
+        <p:txBody>
+          <a:bodyPr vert="horz" lIns="91440" tIns="45720" rIns="91440" bIns="45720" rtlCol="0" anchor="ctr"/>
+          <a:lstStyle/>
+          <a:p>
+            <a:endParaRPr lang="en-US"/>
+          </a:p>
+        </p:txBody>
+      </p:sp>
+      <p:sp>
+        <p:nvSpPr>
+          <p:cNvPr id="5" name="Notes Placeholder 4"/>
+          <p:cNvSpPr>
+            <a:spLocks noGrp="1"/>
+          </p:cNvSpPr>
+          <p:nvPr>
+            <p:ph type="body" sz="quarter" idx="3"/>
+          </p:nvPr>
+        </p:nvSpPr>
+        <p:spPr>
+          <a:xfrm>
+            <a:off x="685800" y="4400550"/>
+            <a:ext cx="5486400" cy="3600450"/>
+          </a:xfrm>
+          <a:prstGeom prst="rect">
+            <a:avLst/>
+          </a:prstGeom>
+        </p:spPr>
+        <p:txBody>
+          <a:bodyPr vert="horz" lIns="91440" tIns="45720" rIns="91440" bIns="45720" rtlCol="0"/>
+          <a:lstStyle/>
+          <a:p>
+            <a:pPr lvl="0"/>
+            <a:r>
+              <a:rPr lang="en-US"/>
+              <a:t>Click to edit Master text styles</a:t>
+            </a:r>
+          </a:p>
+          <a:p>
+            <a:pPr lvl="1"/>
+            <a:r>
+              <a:rPr lang="en-US"/>
+              <a:t>Second level</a:t>
+            </a:r>
+          </a:p>
+          <a:p>
+            <a:pPr lvl="2"/>
+            <a:r>
+              <a:rPr lang="en-US"/>
+              <a:t>Third level</a:t>
+            </a:r>
+          </a:p>
+          <a:p>
+            <a:pPr lvl="3"/>
+            <a:r>
+              <a:rPr lang="en-US"/>
+              <a:t>Fourth level</a:t>
+            </a:r>
+          </a:p>
+          <a:p>
+            <a:pPr lvl="4"/>
+            <a:r>
+              <a:rPr lang="en-US"/>
+              <a:t>Fifth level</a:t>
+            </a:r>
+          </a:p>
+        </p:txBody>
+      </p:sp>
+      <p:sp>
+        <p:nvSpPr>
+          <p:cNvPr id="6" name="Footer Placeholder 5"/>
+          <p:cNvSpPr>
+            <a:spLocks noGrp="1"/>
+          </p:cNvSpPr>
+          <p:nvPr>
+            <p:ph type="ftr" sz="quarter" idx="4"/>
+          </p:nvPr>
+        </p:nvSpPr>
+        <p:spPr>
+          <a:xfrm>
+            <a:off x="0" y="8685213"/>
+            <a:ext cx="2971800" cy="458787"/>
+          </a:xfrm>
+          <a:prstGeom prst="rect">
+            <a:avLst/>
+          </a:prstGeom>
+        </p:spPr>
+        <p:txBody>
+          <a:bodyPr vert="horz" lIns="91440" tIns="45720" rIns="91440" bIns="45720" rtlCol="0" anchor="b"/>
+          <a:lstStyle>
+            <a:lvl1pPr algn="l">
+              <a:defRPr sz="1200"/>
+            </a:lvl1pPr>
+          </a:lstStyle>
+          <a:p>
+            <a:endParaRPr lang="en-US"/>
+          </a:p>
+        </p:txBody>
+      </p:sp>
+      <p:sp>
+        <p:nvSpPr>
+          <p:cNvPr id="7" name="Slide Number Placeholder 6"/>
+          <p:cNvSpPr>
+            <a:spLocks noGrp="1"/>
+          </p:cNvSpPr>
+          <p:nvPr>
+            <p:ph type="sldNum" sz="quarter" idx="5"/>
+          </p:nvPr>
+        </p:nvSpPr>
+        <p:spPr>
+          <a:xfrm>
+            <a:off x="3884613" y="8685213"/>
+            <a:ext cx="2971800" cy="458787"/>
+          </a:xfrm>
+          <a:prstGeom prst="rect">
+            <a:avLst/>
+          </a:prstGeom>
+        </p:spPr>
+        <p:txBody>
+          <a:bodyPr vert="horz" lIns="91440" tIns="45720" rIns="91440" bIns="45720" rtlCol="0" anchor="b"/>
+          <a:lstStyle>
+            <a:lvl1pPr algn="r">
+              <a:defRPr sz="1200"/>
+            </a:lvl1pPr>
+          </a:lstStyle>
+          <a:p>
+            <a:fld id="{FCCD7F83-DDF5-4111-826A-E30256BC3152}" type="slidenum">
+              <a:rPr lang="en-US" smtClean="0"/>
+              <a:t>‹#›</a:t>
+            </a:fld>
+            <a:endParaRPr lang="en-US"/>
+          </a:p>
+        </p:txBody>
+      </p:sp>
+    </p:spTree>
+    <p:extLst>
+      <p:ext uri="{BB962C8B-B14F-4D97-AF65-F5344CB8AC3E}">
+        <p14:creationId xmlns:p14="http://schemas.microsoft.com/office/powerpoint/2010/main" val="169144104"/>
+      </p:ext>
+    </p:extLst>
+  </p:cSld>
+  <p:clrMap bg1="lt1" tx1="dk1" bg2="lt2" tx2="dk2" accent1="accent1" accent2="accent2" accent3="accent3" accent4="accent4" accent5="accent5" accent6="accent6" hlink="hlink" folHlink="folHlink"/>
+  <p:notesStyle>
+    <a:lvl1pPr marL="0" algn="l" defTabSz="914400" rtl="0" eaLnBrk="1" latinLnBrk="0" hangingPunct="1">
+      <a:defRPr sz="1200" kern="1200">
+        <a:solidFill>
+          <a:schemeClr val="tx1"/>
+        </a:solidFill>
+        <a:latin typeface="+mn-lt"/>
+        <a:ea typeface="+mn-ea"/>
+        <a:cs typeface="+mn-cs"/>
+      </a:defRPr>
+    </a:lvl1pPr>
+    <a:lvl2pPr marL="457200" algn="l" defTabSz="914400" rtl="0" eaLnBrk="1" latinLnBrk="0" hangingPunct="1">
+      <a:defRPr sz="1200" kern="1200">
+        <a:solidFill>
+          <a:schemeClr val="tx1"/>
+        </a:solidFill>
+        <a:latin typeface="+mn-lt"/>
+        <a:ea typeface="+mn-ea"/>
+        <a:cs typeface="+mn-cs"/>
+      </a:defRPr>
+    </a:lvl2pPr>
+    <a:lvl3pPr marL="914400" algn="l" defTabSz="914400" rtl="0" eaLnBrk="1" latinLnBrk="0" hangingPunct="1">
+      <a:defRPr sz="1200" kern="1200">
+        <a:solidFill>
+          <a:schemeClr val="tx1"/>
+        </a:solidFill>
+        <a:latin typeface="+mn-lt"/>
+        <a:ea typeface="+mn-ea"/>
+        <a:cs typeface="+mn-cs"/>
+      </a:defRPr>
+    </a:lvl3pPr>
+    <a:lvl4pPr marL="1371600" algn="l" defTabSz="914400" rtl="0" eaLnBrk="1" latinLnBrk="0" hangingPunct="1">
+      <a:defRPr sz="1200" kern="1200">
+        <a:solidFill>
+          <a:schemeClr val="tx1"/>
+        </a:solidFill>
+        <a:latin typeface="+mn-lt"/>
+        <a:ea typeface="+mn-ea"/>
+        <a:cs typeface="+mn-cs"/>
+      </a:defRPr>
+    </a:lvl4pPr>
+    <a:lvl5pPr marL="1828800" algn="l" defTabSz="914400" rtl="0" eaLnBrk="1" latinLnBrk="0" hangingPunct="1">
+      <a:defRPr sz="1200" kern="1200">
+        <a:solidFill>
+          <a:schemeClr val="tx1"/>
+        </a:solidFill>
+        <a:latin typeface="+mn-lt"/>
+        <a:ea typeface="+mn-ea"/>
+        <a:cs typeface="+mn-cs"/>
+      </a:defRPr>
+    </a:lvl5pPr>
+    <a:lvl6pPr marL="2286000" algn="l" defTabSz="914400" rtl="0" eaLnBrk="1" latinLnBrk="0" hangingPunct="1">
+      <a:defRPr sz="1200" kern="1200">
+        <a:solidFill>
+          <a:schemeClr val="tx1"/>
+        </a:solidFill>
+        <a:latin typeface="+mn-lt"/>
+        <a:ea typeface="+mn-ea"/>
+        <a:cs typeface="+mn-cs"/>
+      </a:defRPr>
+    </a:lvl6pPr>
+    <a:lvl7pPr marL="2743200" algn="l" defTabSz="914400" rtl="0" eaLnBrk="1" latinLnBrk="0" hangingPunct="1">
+      <a:defRPr sz="1200" kern="1200">
+        <a:solidFill>
+          <a:schemeClr val="tx1"/>
+        </a:solidFill>
+        <a:latin typeface="+mn-lt"/>
+        <a:ea typeface="+mn-ea"/>
+        <a:cs typeface="+mn-cs"/>
+      </a:defRPr>
+    </a:lvl7pPr>
+    <a:lvl8pPr marL="3200400" algn="l" defTabSz="914400" rtl="0" eaLnBrk="1" latinLnBrk="0" hangingPunct="1">
+      <a:defRPr sz="1200" kern="1200">
+        <a:solidFill>
+          <a:schemeClr val="tx1"/>
+        </a:solidFill>
+        <a:latin typeface="+mn-lt"/>
+        <a:ea typeface="+mn-ea"/>
+        <a:cs typeface="+mn-cs"/>
+      </a:defRPr>
+    </a:lvl8pPr>
+    <a:lvl9pPr marL="3657600" algn="l" defTabSz="914400" rtl="0" eaLnBrk="1" latinLnBrk="0" hangingPunct="1">
+      <a:defRPr sz="1200" kern="1200">
+        <a:solidFill>
+          <a:schemeClr val="tx1"/>
+        </a:solidFill>
+        <a:latin typeface="+mn-lt"/>
+        <a:ea typeface="+mn-ea"/>
+        <a:cs typeface="+mn-cs"/>
+      </a:defRPr>
+    </a:lvl9pPr>
+  </p:notesStyle>
+</p:notesMaster>
+</file>
+
+<file path=ppt/notesSlides/notesSlide1.xml><?xml version="1.0" encoding="utf-8"?>
+<p:notes xmlns:a="http://schemas.openxmlformats.org/drawingml/2006/main" xmlns:r="http://schemas.openxmlformats.org/officeDocument/2006/relationships" xmlns:p="http://schemas.openxmlformats.org/presentationml/2006/main">
+  <p:cSld>
+    <p:spTree>
+      <p:nvGrpSpPr>
+        <p:cNvPr id="1" name=""/>
+        <p:cNvGrpSpPr/>
+        <p:nvPr/>
+      </p:nvGrpSpPr>
+      <p:grpSpPr>
+        <a:xfrm>
+          <a:off x="0" y="0"/>
+          <a:ext cx="0" cy="0"/>
+          <a:chOff x="0" y="0"/>
+          <a:chExt cx="0" cy="0"/>
+        </a:xfrm>
+      </p:grpSpPr>
+      <p:sp>
+        <p:nvSpPr>
+          <p:cNvPr id="2" name="Slide Image Placeholder 1"/>
+          <p:cNvSpPr>
+            <a:spLocks noGrp="1" noRot="1" noChangeAspect="1"/>
+          </p:cNvSpPr>
+          <p:nvPr>
+            <p:ph type="sldImg"/>
+          </p:nvPr>
+        </p:nvSpPr>
+        <p:spPr/>
+      </p:sp>
+      <p:sp>
+        <p:nvSpPr>
+          <p:cNvPr id="3" name="Notes Placeholder 2"/>
+          <p:cNvSpPr>
+            <a:spLocks noGrp="1"/>
+          </p:cNvSpPr>
+          <p:nvPr>
+            <p:ph type="body" idx="1"/>
+          </p:nvPr>
+        </p:nvSpPr>
+        <p:spPr/>
+        <p:txBody>
+          <a:bodyPr/>
+          <a:lstStyle/>
+          <a:p>
+            <a:r>
+              <a:rPr lang="en-US" dirty="0"/>
+              <a:t>Hook: You, as the teacher of this class, want to learn how well connected the class is. Developing strong collaborative relationships within the class is important to you. This survey is a chance for you to learn without having to ask everyone, and it makes a great activity to boot. </a:t>
+            </a:r>
+          </a:p>
+        </p:txBody>
+      </p:sp>
+      <p:sp>
+        <p:nvSpPr>
+          <p:cNvPr id="4" name="Slide Number Placeholder 3"/>
+          <p:cNvSpPr>
+            <a:spLocks noGrp="1"/>
+          </p:cNvSpPr>
+          <p:nvPr>
+            <p:ph type="sldNum" sz="quarter" idx="5"/>
+          </p:nvPr>
+        </p:nvSpPr>
+        <p:spPr/>
+        <p:txBody>
+          <a:bodyPr/>
+          <a:lstStyle/>
+          <a:p>
+            <a:fld id="{FCCD7F83-DDF5-4111-826A-E30256BC3152}" type="slidenum">
+              <a:rPr lang="en-US" smtClean="0"/>
+              <a:t>2</a:t>
+            </a:fld>
+            <a:endParaRPr lang="en-US"/>
+          </a:p>
+        </p:txBody>
+      </p:sp>
+    </p:spTree>
+    <p:extLst>
+      <p:ext uri="{BB962C8B-B14F-4D97-AF65-F5344CB8AC3E}">
+        <p14:creationId xmlns:p14="http://schemas.microsoft.com/office/powerpoint/2010/main" val="2289393257"/>
+      </p:ext>
+    </p:extLst>
+  </p:cSld>
+  <p:clrMapOvr>
+    <a:masterClrMapping/>
+  </p:clrMapOvr>
+</p:notes>
+</file>
+
+<file path=ppt/notesSlides/notesSlide2.xml><?xml version="1.0" encoding="utf-8"?>
+<p:notes xmlns:a="http://schemas.openxmlformats.org/drawingml/2006/main" xmlns:r="http://schemas.openxmlformats.org/officeDocument/2006/relationships" xmlns:p="http://schemas.openxmlformats.org/presentationml/2006/main">
+  <p:cSld>
+    <p:spTree>
+      <p:nvGrpSpPr>
+        <p:cNvPr id="1" name=""/>
+        <p:cNvGrpSpPr/>
+        <p:nvPr/>
+      </p:nvGrpSpPr>
+      <p:grpSpPr>
+        <a:xfrm>
+          <a:off x="0" y="0"/>
+          <a:ext cx="0" cy="0"/>
+          <a:chOff x="0" y="0"/>
+          <a:chExt cx="0" cy="0"/>
+        </a:xfrm>
+      </p:grpSpPr>
+      <p:sp>
+        <p:nvSpPr>
+          <p:cNvPr id="2" name="Slide Image Placeholder 1"/>
+          <p:cNvSpPr>
+            <a:spLocks noGrp="1" noRot="1" noChangeAspect="1"/>
+          </p:cNvSpPr>
+          <p:nvPr>
+            <p:ph type="sldImg"/>
+          </p:nvPr>
+        </p:nvSpPr>
+        <p:spPr/>
+      </p:sp>
+      <p:sp>
+        <p:nvSpPr>
+          <p:cNvPr id="3" name="Notes Placeholder 2"/>
+          <p:cNvSpPr>
+            <a:spLocks noGrp="1"/>
+          </p:cNvSpPr>
+          <p:nvPr>
+            <p:ph type="body" idx="1"/>
+          </p:nvPr>
+        </p:nvSpPr>
+        <p:spPr/>
+        <p:txBody>
+          <a:bodyPr/>
+          <a:lstStyle/>
+          <a:p>
+            <a:r>
+              <a:rPr lang="en-US" dirty="0"/>
+              <a:t>Goals: This is a flipped lesson, so students should already know the basics of network analysis and </a:t>
+            </a:r>
+            <a:r>
+              <a:rPr lang="en-US" dirty="0" err="1"/>
+              <a:t>NetworkX</a:t>
+            </a:r>
+            <a:r>
+              <a:rPr lang="en-US" dirty="0"/>
+              <a:t>. This lesson is focused on applying those skills to a real-world network, interpreting the results, and using them to make recommendations.</a:t>
+            </a:r>
+          </a:p>
+        </p:txBody>
+      </p:sp>
+      <p:sp>
+        <p:nvSpPr>
+          <p:cNvPr id="4" name="Slide Number Placeholder 3"/>
+          <p:cNvSpPr>
+            <a:spLocks noGrp="1"/>
+          </p:cNvSpPr>
+          <p:nvPr>
+            <p:ph type="sldNum" sz="quarter" idx="5"/>
+          </p:nvPr>
+        </p:nvSpPr>
+        <p:spPr/>
+        <p:txBody>
+          <a:bodyPr/>
+          <a:lstStyle/>
+          <a:p>
+            <a:fld id="{FCCD7F83-DDF5-4111-826A-E30256BC3152}" type="slidenum">
+              <a:rPr lang="en-US" smtClean="0"/>
+              <a:t>3</a:t>
+            </a:fld>
+            <a:endParaRPr lang="en-US"/>
+          </a:p>
+        </p:txBody>
+      </p:sp>
+    </p:spTree>
+    <p:extLst>
+      <p:ext uri="{BB962C8B-B14F-4D97-AF65-F5344CB8AC3E}">
+        <p14:creationId xmlns:p14="http://schemas.microsoft.com/office/powerpoint/2010/main" val="1624018288"/>
+      </p:ext>
+    </p:extLst>
+  </p:cSld>
+  <p:clrMapOvr>
+    <a:masterClrMapping/>
+  </p:clrMapOvr>
+</p:notes>
+</file>
+
+<file path=ppt/notesSlides/notesSlide3.xml><?xml version="1.0" encoding="utf-8"?>
+<p:notes xmlns:a="http://schemas.openxmlformats.org/drawingml/2006/main" xmlns:r="http://schemas.openxmlformats.org/officeDocument/2006/relationships" xmlns:p="http://schemas.openxmlformats.org/presentationml/2006/main">
+  <p:cSld>
+    <p:spTree>
+      <p:nvGrpSpPr>
+        <p:cNvPr id="1" name=""/>
+        <p:cNvGrpSpPr/>
+        <p:nvPr/>
+      </p:nvGrpSpPr>
+      <p:grpSpPr>
+        <a:xfrm>
+          <a:off x="0" y="0"/>
+          <a:ext cx="0" cy="0"/>
+          <a:chOff x="0" y="0"/>
+          <a:chExt cx="0" cy="0"/>
+        </a:xfrm>
+      </p:grpSpPr>
+      <p:sp>
+        <p:nvSpPr>
+          <p:cNvPr id="2" name="Slide Image Placeholder 1"/>
+          <p:cNvSpPr>
+            <a:spLocks noGrp="1" noRot="1" noChangeAspect="1"/>
+          </p:cNvSpPr>
+          <p:nvPr>
+            <p:ph type="sldImg"/>
+          </p:nvPr>
+        </p:nvSpPr>
+        <p:spPr/>
+      </p:sp>
+      <p:sp>
+        <p:nvSpPr>
+          <p:cNvPr id="3" name="Notes Placeholder 2"/>
+          <p:cNvSpPr>
+            <a:spLocks noGrp="1"/>
+          </p:cNvSpPr>
+          <p:nvPr>
+            <p:ph type="body" idx="1"/>
+          </p:nvPr>
+        </p:nvSpPr>
+        <p:spPr/>
+        <p:txBody>
+          <a:bodyPr/>
+          <a:lstStyle/>
+          <a:p>
+            <a:r>
+              <a:rPr lang="en-US" dirty="0"/>
+              <a:t>Activity: Walk through the steps for todays activity. Feel free to add in additional guidance for any of these steps if you feel it would be helpful for your class, such as assigning pairs or providing structure for sharing answers.</a:t>
+            </a:r>
+          </a:p>
+        </p:txBody>
+      </p:sp>
+      <p:sp>
+        <p:nvSpPr>
+          <p:cNvPr id="4" name="Slide Number Placeholder 3"/>
+          <p:cNvSpPr>
+            <a:spLocks noGrp="1"/>
+          </p:cNvSpPr>
+          <p:nvPr>
+            <p:ph type="sldNum" sz="quarter" idx="5"/>
+          </p:nvPr>
+        </p:nvSpPr>
+        <p:spPr/>
+        <p:txBody>
+          <a:bodyPr/>
+          <a:lstStyle/>
+          <a:p>
+            <a:fld id="{FCCD7F83-DDF5-4111-826A-E30256BC3152}" type="slidenum">
+              <a:rPr lang="en-US" smtClean="0"/>
+              <a:t>4</a:t>
+            </a:fld>
+            <a:endParaRPr lang="en-US"/>
+          </a:p>
+        </p:txBody>
+      </p:sp>
+    </p:spTree>
+    <p:extLst>
+      <p:ext uri="{BB962C8B-B14F-4D97-AF65-F5344CB8AC3E}">
+        <p14:creationId xmlns:p14="http://schemas.microsoft.com/office/powerpoint/2010/main" val="4178225478"/>
+      </p:ext>
+    </p:extLst>
+  </p:cSld>
+  <p:clrMapOvr>
+    <a:masterClrMapping/>
+  </p:clrMapOvr>
+</p:notes>
+</file>
+
+<file path=ppt/notesSlides/notesSlide4.xml><?xml version="1.0" encoding="utf-8"?>
+<p:notes xmlns:a="http://schemas.openxmlformats.org/drawingml/2006/main" xmlns:r="http://schemas.openxmlformats.org/officeDocument/2006/relationships" xmlns:p="http://schemas.openxmlformats.org/presentationml/2006/main">
+  <p:cSld>
+    <p:spTree>
+      <p:nvGrpSpPr>
+        <p:cNvPr id="1" name=""/>
+        <p:cNvGrpSpPr/>
+        <p:nvPr/>
+      </p:nvGrpSpPr>
+      <p:grpSpPr>
+        <a:xfrm>
+          <a:off x="0" y="0"/>
+          <a:ext cx="0" cy="0"/>
+          <a:chOff x="0" y="0"/>
+          <a:chExt cx="0" cy="0"/>
+        </a:xfrm>
+      </p:grpSpPr>
+      <p:sp>
+        <p:nvSpPr>
+          <p:cNvPr id="2" name="Slide Image Placeholder 1"/>
+          <p:cNvSpPr>
+            <a:spLocks noGrp="1" noRot="1" noChangeAspect="1"/>
+          </p:cNvSpPr>
+          <p:nvPr>
+            <p:ph type="sldImg"/>
+          </p:nvPr>
+        </p:nvSpPr>
+        <p:spPr/>
+      </p:sp>
+      <p:sp>
+        <p:nvSpPr>
+          <p:cNvPr id="3" name="Notes Placeholder 2"/>
+          <p:cNvSpPr>
+            <a:spLocks noGrp="1"/>
+          </p:cNvSpPr>
+          <p:nvPr>
+            <p:ph type="body" idx="1"/>
+          </p:nvPr>
+        </p:nvSpPr>
+        <p:spPr/>
+        <p:txBody>
+          <a:bodyPr/>
+          <a:lstStyle/>
+          <a:p>
+            <a:r>
+              <a:rPr lang="en-US" dirty="0"/>
+              <a:t>Notes: This is your chance to head off potential issues. Warn them that the graph may have an unusual structure that will make it hard to interpret any graph metrics. Also warn them that some of the questions in the notebook are intentionally ambiguous to prompt discussion within groups about how best to approach the problem. Tell them that they may find it helpful to keep in mind the end goal, which is to make recommendations to you about class cohesion.</a:t>
+            </a:r>
+          </a:p>
+        </p:txBody>
+      </p:sp>
+      <p:sp>
+        <p:nvSpPr>
+          <p:cNvPr id="4" name="Slide Number Placeholder 3"/>
+          <p:cNvSpPr>
+            <a:spLocks noGrp="1"/>
+          </p:cNvSpPr>
+          <p:nvPr>
+            <p:ph type="sldNum" sz="quarter" idx="5"/>
+          </p:nvPr>
+        </p:nvSpPr>
+        <p:spPr/>
+        <p:txBody>
+          <a:bodyPr/>
+          <a:lstStyle/>
+          <a:p>
+            <a:fld id="{FCCD7F83-DDF5-4111-826A-E30256BC3152}" type="slidenum">
+              <a:rPr lang="en-US" smtClean="0"/>
+              <a:t>5</a:t>
+            </a:fld>
+            <a:endParaRPr lang="en-US"/>
+          </a:p>
+        </p:txBody>
+      </p:sp>
+    </p:spTree>
+    <p:extLst>
+      <p:ext uri="{BB962C8B-B14F-4D97-AF65-F5344CB8AC3E}">
+        <p14:creationId xmlns:p14="http://schemas.microsoft.com/office/powerpoint/2010/main" val="2224550101"/>
+      </p:ext>
+    </p:extLst>
+  </p:cSld>
+  <p:clrMapOvr>
+    <a:masterClrMapping/>
+  </p:clrMapOvr>
+</p:notes>
+</file>
+
+<file path=ppt/notesSlides/notesSlide5.xml><?xml version="1.0" encoding="utf-8"?>
+<p:notes xmlns:a="http://schemas.openxmlformats.org/drawingml/2006/main" xmlns:r="http://schemas.openxmlformats.org/officeDocument/2006/relationships" xmlns:p="http://schemas.openxmlformats.org/presentationml/2006/main">
+  <p:cSld>
+    <p:spTree>
+      <p:nvGrpSpPr>
+        <p:cNvPr id="1" name=""/>
+        <p:cNvGrpSpPr/>
+        <p:nvPr/>
+      </p:nvGrpSpPr>
+      <p:grpSpPr>
+        <a:xfrm>
+          <a:off x="0" y="0"/>
+          <a:ext cx="0" cy="0"/>
+          <a:chOff x="0" y="0"/>
+          <a:chExt cx="0" cy="0"/>
+        </a:xfrm>
+      </p:grpSpPr>
+      <p:sp>
+        <p:nvSpPr>
+          <p:cNvPr id="2" name="Slide Image Placeholder 1"/>
+          <p:cNvSpPr>
+            <a:spLocks noGrp="1" noRot="1" noChangeAspect="1"/>
+          </p:cNvSpPr>
+          <p:nvPr>
+            <p:ph type="sldImg"/>
+          </p:nvPr>
+        </p:nvSpPr>
+        <p:spPr/>
+      </p:sp>
+      <p:sp>
+        <p:nvSpPr>
+          <p:cNvPr id="3" name="Notes Placeholder 2"/>
+          <p:cNvSpPr>
+            <a:spLocks noGrp="1"/>
+          </p:cNvSpPr>
+          <p:nvPr>
+            <p:ph type="body" idx="1"/>
+          </p:nvPr>
+        </p:nvSpPr>
+        <p:spPr/>
+        <p:txBody>
+          <a:bodyPr/>
+          <a:lstStyle/>
+          <a:p>
+            <a:r>
+              <a:rPr lang="en-US" dirty="0"/>
+              <a:t>Put up this slide when you’re ready for students to start working</a:t>
+            </a:r>
+          </a:p>
+        </p:txBody>
+      </p:sp>
+      <p:sp>
+        <p:nvSpPr>
+          <p:cNvPr id="4" name="Slide Number Placeholder 3"/>
+          <p:cNvSpPr>
+            <a:spLocks noGrp="1"/>
+          </p:cNvSpPr>
+          <p:nvPr>
+            <p:ph type="sldNum" sz="quarter" idx="5"/>
+          </p:nvPr>
+        </p:nvSpPr>
+        <p:spPr/>
+        <p:txBody>
+          <a:bodyPr/>
+          <a:lstStyle/>
+          <a:p>
+            <a:fld id="{FCCD7F83-DDF5-4111-826A-E30256BC3152}" type="slidenum">
+              <a:rPr lang="en-US" smtClean="0"/>
+              <a:t>6</a:t>
+            </a:fld>
+            <a:endParaRPr lang="en-US"/>
+          </a:p>
+        </p:txBody>
+      </p:sp>
+    </p:spTree>
+    <p:extLst>
+      <p:ext uri="{BB962C8B-B14F-4D97-AF65-F5344CB8AC3E}">
+        <p14:creationId xmlns:p14="http://schemas.microsoft.com/office/powerpoint/2010/main" val="583266458"/>
+      </p:ext>
+    </p:extLst>
+  </p:cSld>
+  <p:clrMapOvr>
+    <a:masterClrMapping/>
+  </p:clrMapOvr>
+</p:notes>
+</file>
+
+<file path=ppt/notesSlides/notesSlide6.xml><?xml version="1.0" encoding="utf-8"?>
+<p:notes xmlns:a="http://schemas.openxmlformats.org/drawingml/2006/main" xmlns:r="http://schemas.openxmlformats.org/officeDocument/2006/relationships" xmlns:p="http://schemas.openxmlformats.org/presentationml/2006/main">
+  <p:cSld>
+    <p:spTree>
+      <p:nvGrpSpPr>
+        <p:cNvPr id="1" name=""/>
+        <p:cNvGrpSpPr/>
+        <p:nvPr/>
+      </p:nvGrpSpPr>
+      <p:grpSpPr>
+        <a:xfrm>
+          <a:off x="0" y="0"/>
+          <a:ext cx="0" cy="0"/>
+          <a:chOff x="0" y="0"/>
+          <a:chExt cx="0" cy="0"/>
+        </a:xfrm>
+      </p:grpSpPr>
+      <p:sp>
+        <p:nvSpPr>
+          <p:cNvPr id="2" name="Slide Image Placeholder 1"/>
+          <p:cNvSpPr>
+            <a:spLocks noGrp="1" noRot="1" noChangeAspect="1"/>
+          </p:cNvSpPr>
+          <p:nvPr>
+            <p:ph type="sldImg"/>
+          </p:nvPr>
+        </p:nvSpPr>
+        <p:spPr/>
+      </p:sp>
+      <p:sp>
+        <p:nvSpPr>
+          <p:cNvPr id="3" name="Notes Placeholder 2"/>
+          <p:cNvSpPr>
+            <a:spLocks noGrp="1"/>
+          </p:cNvSpPr>
+          <p:nvPr>
+            <p:ph type="body" idx="1"/>
+          </p:nvPr>
+        </p:nvSpPr>
+        <p:spPr/>
+        <p:txBody>
+          <a:bodyPr/>
+          <a:lstStyle/>
+          <a:p>
+            <a:r>
+              <a:rPr lang="en-US" dirty="0"/>
+              <a:t>Put up this slide when you’re ready to transition to group work. Reinforce the point that you want both the recommendation and the findings that support it. You can let them know that the timing is not strict.</a:t>
+            </a:r>
+          </a:p>
+        </p:txBody>
+      </p:sp>
+      <p:sp>
+        <p:nvSpPr>
+          <p:cNvPr id="4" name="Slide Number Placeholder 3"/>
+          <p:cNvSpPr>
+            <a:spLocks noGrp="1"/>
+          </p:cNvSpPr>
+          <p:nvPr>
+            <p:ph type="sldNum" sz="quarter" idx="5"/>
+          </p:nvPr>
+        </p:nvSpPr>
+        <p:spPr/>
+        <p:txBody>
+          <a:bodyPr/>
+          <a:lstStyle/>
+          <a:p>
+            <a:fld id="{FCCD7F83-DDF5-4111-826A-E30256BC3152}" type="slidenum">
+              <a:rPr lang="en-US" smtClean="0"/>
+              <a:t>7</a:t>
+            </a:fld>
+            <a:endParaRPr lang="en-US"/>
+          </a:p>
+        </p:txBody>
+      </p:sp>
+    </p:spTree>
+    <p:extLst>
+      <p:ext uri="{BB962C8B-B14F-4D97-AF65-F5344CB8AC3E}">
+        <p14:creationId xmlns:p14="http://schemas.microsoft.com/office/powerpoint/2010/main" val="1730993754"/>
+      </p:ext>
+    </p:extLst>
+  </p:cSld>
+  <p:clrMapOvr>
+    <a:masterClrMapping/>
+  </p:clrMapOvr>
+</p:notes>
+</file>
+
+<file path=ppt/notesSlides/notesSlide7.xml><?xml version="1.0" encoding="utf-8"?>
+<p:notes xmlns:a="http://schemas.openxmlformats.org/drawingml/2006/main" xmlns:r="http://schemas.openxmlformats.org/officeDocument/2006/relationships" xmlns:p="http://schemas.openxmlformats.org/presentationml/2006/main">
+  <p:cSld>
+    <p:spTree>
+      <p:nvGrpSpPr>
+        <p:cNvPr id="1" name=""/>
+        <p:cNvGrpSpPr/>
+        <p:nvPr/>
+      </p:nvGrpSpPr>
+      <p:grpSpPr>
+        <a:xfrm>
+          <a:off x="0" y="0"/>
+          <a:ext cx="0" cy="0"/>
+          <a:chOff x="0" y="0"/>
+          <a:chExt cx="0" cy="0"/>
+        </a:xfrm>
+      </p:grpSpPr>
+      <p:sp>
+        <p:nvSpPr>
+          <p:cNvPr id="2" name="Slide Image Placeholder 1"/>
+          <p:cNvSpPr>
+            <a:spLocks noGrp="1" noRot="1" noChangeAspect="1"/>
+          </p:cNvSpPr>
+          <p:nvPr>
+            <p:ph type="sldImg"/>
+          </p:nvPr>
+        </p:nvSpPr>
+        <p:spPr/>
+      </p:sp>
+      <p:sp>
+        <p:nvSpPr>
+          <p:cNvPr id="3" name="Notes Placeholder 2"/>
+          <p:cNvSpPr>
+            <a:spLocks noGrp="1"/>
+          </p:cNvSpPr>
+          <p:nvPr>
+            <p:ph type="body" idx="1"/>
+          </p:nvPr>
+        </p:nvSpPr>
+        <p:spPr/>
+        <p:txBody>
+          <a:bodyPr/>
+          <a:lstStyle/>
+          <a:p>
+            <a:r>
+              <a:rPr lang="en-US" dirty="0"/>
+              <a:t>Put up this slide when you’re ready to have groups share out</a:t>
+            </a:r>
+          </a:p>
+        </p:txBody>
+      </p:sp>
+      <p:sp>
+        <p:nvSpPr>
+          <p:cNvPr id="4" name="Slide Number Placeholder 3"/>
+          <p:cNvSpPr>
+            <a:spLocks noGrp="1"/>
+          </p:cNvSpPr>
+          <p:nvPr>
+            <p:ph type="sldNum" sz="quarter" idx="5"/>
+          </p:nvPr>
+        </p:nvSpPr>
+        <p:spPr/>
+        <p:txBody>
+          <a:bodyPr/>
+          <a:lstStyle/>
+          <a:p>
+            <a:fld id="{FCCD7F83-DDF5-4111-826A-E30256BC3152}" type="slidenum">
+              <a:rPr lang="en-US" smtClean="0"/>
+              <a:t>8</a:t>
+            </a:fld>
+            <a:endParaRPr lang="en-US"/>
+          </a:p>
+        </p:txBody>
+      </p:sp>
+    </p:spTree>
+    <p:extLst>
+      <p:ext uri="{BB962C8B-B14F-4D97-AF65-F5344CB8AC3E}">
+        <p14:creationId xmlns:p14="http://schemas.microsoft.com/office/powerpoint/2010/main" val="1626080293"/>
+      </p:ext>
+    </p:extLst>
+  </p:cSld>
+  <p:clrMapOvr>
+    <a:masterClrMapping/>
+  </p:clrMapOvr>
+</p:notes>
+</file>
+
+<file path=ppt/notesSlides/notesSlide8.xml><?xml version="1.0" encoding="utf-8"?>
+<p:notes xmlns:a="http://schemas.openxmlformats.org/drawingml/2006/main" xmlns:r="http://schemas.openxmlformats.org/officeDocument/2006/relationships" xmlns:p="http://schemas.openxmlformats.org/presentationml/2006/main">
+  <p:cSld>
+    <p:spTree>
+      <p:nvGrpSpPr>
+        <p:cNvPr id="1" name=""/>
+        <p:cNvGrpSpPr/>
+        <p:nvPr/>
+      </p:nvGrpSpPr>
+      <p:grpSpPr>
+        <a:xfrm>
+          <a:off x="0" y="0"/>
+          <a:ext cx="0" cy="0"/>
+          <a:chOff x="0" y="0"/>
+          <a:chExt cx="0" cy="0"/>
+        </a:xfrm>
+      </p:grpSpPr>
+      <p:sp>
+        <p:nvSpPr>
+          <p:cNvPr id="2" name="Slide Image Placeholder 1"/>
+          <p:cNvSpPr>
+            <a:spLocks noGrp="1" noRot="1" noChangeAspect="1"/>
+          </p:cNvSpPr>
+          <p:nvPr>
+            <p:ph type="sldImg"/>
+          </p:nvPr>
+        </p:nvSpPr>
+        <p:spPr/>
+      </p:sp>
+      <p:sp>
+        <p:nvSpPr>
+          <p:cNvPr id="3" name="Notes Placeholder 2"/>
+          <p:cNvSpPr>
+            <a:spLocks noGrp="1"/>
+          </p:cNvSpPr>
+          <p:nvPr>
+            <p:ph type="body" idx="1"/>
+          </p:nvPr>
+        </p:nvSpPr>
+        <p:spPr/>
+        <p:txBody>
+          <a:bodyPr/>
+          <a:lstStyle/>
+          <a:p>
+            <a:r>
+              <a:rPr lang="en-US" dirty="0"/>
+              <a:t>Feel free to facilitate this whole group discussion however you like. I recommend going through each question, asking the question out loud to the class, solicit responses, and ask the class what they think of those responses.</a:t>
+            </a:r>
+          </a:p>
+        </p:txBody>
+      </p:sp>
+      <p:sp>
+        <p:nvSpPr>
+          <p:cNvPr id="4" name="Slide Number Placeholder 3"/>
+          <p:cNvSpPr>
+            <a:spLocks noGrp="1"/>
+          </p:cNvSpPr>
+          <p:nvPr>
+            <p:ph type="sldNum" sz="quarter" idx="5"/>
+          </p:nvPr>
+        </p:nvSpPr>
+        <p:spPr/>
+        <p:txBody>
+          <a:bodyPr/>
+          <a:lstStyle/>
+          <a:p>
+            <a:fld id="{FCCD7F83-DDF5-4111-826A-E30256BC3152}" type="slidenum">
+              <a:rPr lang="en-US" smtClean="0"/>
+              <a:t>9</a:t>
+            </a:fld>
+            <a:endParaRPr lang="en-US"/>
+          </a:p>
+        </p:txBody>
+      </p:sp>
+    </p:spTree>
+    <p:extLst>
+      <p:ext uri="{BB962C8B-B14F-4D97-AF65-F5344CB8AC3E}">
+        <p14:creationId xmlns:p14="http://schemas.microsoft.com/office/powerpoint/2010/main" val="1454877024"/>
+      </p:ext>
+    </p:extLst>
+  </p:cSld>
+  <p:clrMapOvr>
+    <a:masterClrMapping/>
+  </p:clrMapOvr>
+</p:notes>
 </file>
 
 <file path=ppt/slideLayouts/slideLayout1.xml><?xml version="1.0" encoding="utf-8"?>
@@ -829,7 +1898,7 @@
           <a:p>
             <a:fld id="{3D4B9D3E-6E2A-4981-83F4-010F32C81BAE}" type="datetimeFigureOut">
               <a:rPr lang="en-US" smtClean="0"/>
-              <a:t>4/24/2019</a:t>
+              <a:t>4/26/2019</a:t>
             </a:fld>
             <a:endParaRPr lang="en-US"/>
           </a:p>
@@ -1080,7 +2149,7 @@
           <a:p>
             <a:fld id="{3D4B9D3E-6E2A-4981-83F4-010F32C81BAE}" type="datetimeFigureOut">
               <a:rPr lang="en-US" smtClean="0"/>
-              <a:t>4/24/2019</a:t>
+              <a:t>4/26/2019</a:t>
             </a:fld>
             <a:endParaRPr lang="en-US"/>
           </a:p>
@@ -1394,7 +2463,7 @@
           <a:p>
             <a:fld id="{3D4B9D3E-6E2A-4981-83F4-010F32C81BAE}" type="datetimeFigureOut">
               <a:rPr lang="en-US" smtClean="0"/>
-              <a:t>4/24/2019</a:t>
+              <a:t>4/26/2019</a:t>
             </a:fld>
             <a:endParaRPr lang="en-US"/>
           </a:p>
@@ -1735,7 +2804,7 @@
           <a:p>
             <a:fld id="{3D4B9D3E-6E2A-4981-83F4-010F32C81BAE}" type="datetimeFigureOut">
               <a:rPr lang="en-US" smtClean="0"/>
-              <a:t>4/24/2019</a:t>
+              <a:t>4/26/2019</a:t>
             </a:fld>
             <a:endParaRPr lang="en-US"/>
           </a:p>
@@ -2049,7 +3118,7 @@
           <a:p>
             <a:fld id="{3D4B9D3E-6E2A-4981-83F4-010F32C81BAE}" type="datetimeFigureOut">
               <a:rPr lang="en-US" smtClean="0"/>
-              <a:t>4/24/2019</a:t>
+              <a:t>4/26/2019</a:t>
             </a:fld>
             <a:endParaRPr lang="en-US"/>
           </a:p>
@@ -2442,7 +3511,7 @@
           <a:p>
             <a:fld id="{3D4B9D3E-6E2A-4981-83F4-010F32C81BAE}" type="datetimeFigureOut">
               <a:rPr lang="en-US" smtClean="0"/>
-              <a:t>4/24/2019</a:t>
+              <a:t>4/26/2019</a:t>
             </a:fld>
             <a:endParaRPr lang="en-US"/>
           </a:p>
@@ -2612,7 +3681,7 @@
           <a:p>
             <a:fld id="{3D4B9D3E-6E2A-4981-83F4-010F32C81BAE}" type="datetimeFigureOut">
               <a:rPr lang="en-US" smtClean="0"/>
-              <a:t>4/24/2019</a:t>
+              <a:t>4/26/2019</a:t>
             </a:fld>
             <a:endParaRPr lang="en-US"/>
           </a:p>
@@ -2792,7 +3861,7 @@
           <a:p>
             <a:fld id="{3D4B9D3E-6E2A-4981-83F4-010F32C81BAE}" type="datetimeFigureOut">
               <a:rPr lang="en-US" smtClean="0"/>
-              <a:t>4/24/2019</a:t>
+              <a:t>4/26/2019</a:t>
             </a:fld>
             <a:endParaRPr lang="en-US"/>
           </a:p>
@@ -2968,7 +4037,7 @@
           <a:p>
             <a:fld id="{3D4B9D3E-6E2A-4981-83F4-010F32C81BAE}" type="datetimeFigureOut">
               <a:rPr lang="en-US" smtClean="0"/>
-              <a:t>4/24/2019</a:t>
+              <a:t>4/26/2019</a:t>
             </a:fld>
             <a:endParaRPr lang="en-US"/>
           </a:p>
@@ -3215,7 +4284,7 @@
           <a:p>
             <a:fld id="{3D4B9D3E-6E2A-4981-83F4-010F32C81BAE}" type="datetimeFigureOut">
               <a:rPr lang="en-US" smtClean="0"/>
-              <a:t>4/24/2019</a:t>
+              <a:t>4/26/2019</a:t>
             </a:fld>
             <a:endParaRPr lang="en-US"/>
           </a:p>
@@ -3447,7 +4516,7 @@
           <a:p>
             <a:fld id="{3D4B9D3E-6E2A-4981-83F4-010F32C81BAE}" type="datetimeFigureOut">
               <a:rPr lang="en-US" smtClean="0"/>
-              <a:t>4/24/2019</a:t>
+              <a:t>4/26/2019</a:t>
             </a:fld>
             <a:endParaRPr lang="en-US"/>
           </a:p>
@@ -3821,7 +4890,7 @@
           <a:p>
             <a:fld id="{3D4B9D3E-6E2A-4981-83F4-010F32C81BAE}" type="datetimeFigureOut">
               <a:rPr lang="en-US" smtClean="0"/>
-              <a:t>4/24/2019</a:t>
+              <a:t>4/26/2019</a:t>
             </a:fld>
             <a:endParaRPr lang="en-US"/>
           </a:p>
@@ -3944,7 +5013,7 @@
           <a:p>
             <a:fld id="{3D4B9D3E-6E2A-4981-83F4-010F32C81BAE}" type="datetimeFigureOut">
               <a:rPr lang="en-US" smtClean="0"/>
-              <a:t>4/24/2019</a:t>
+              <a:t>4/26/2019</a:t>
             </a:fld>
             <a:endParaRPr lang="en-US"/>
           </a:p>
@@ -4039,7 +5108,7 @@
           <a:p>
             <a:fld id="{3D4B9D3E-6E2A-4981-83F4-010F32C81BAE}" type="datetimeFigureOut">
               <a:rPr lang="en-US" smtClean="0"/>
-              <a:t>4/24/2019</a:t>
+              <a:t>4/26/2019</a:t>
             </a:fld>
             <a:endParaRPr lang="en-US"/>
           </a:p>
@@ -4294,7 +5363,7 @@
           <a:p>
             <a:fld id="{3D4B9D3E-6E2A-4981-83F4-010F32C81BAE}" type="datetimeFigureOut">
               <a:rPr lang="en-US" smtClean="0"/>
-              <a:t>4/24/2019</a:t>
+              <a:t>4/26/2019</a:t>
             </a:fld>
             <a:endParaRPr lang="en-US"/>
           </a:p>
@@ -4557,7 +5626,7 @@
           <a:p>
             <a:fld id="{3D4B9D3E-6E2A-4981-83F4-010F32C81BAE}" type="datetimeFigureOut">
               <a:rPr lang="en-US" smtClean="0"/>
-              <a:t>4/24/2019</a:t>
+              <a:t>4/26/2019</a:t>
             </a:fld>
             <a:endParaRPr lang="en-US"/>
           </a:p>
@@ -5300,7 +6369,7 @@
           <a:p>
             <a:fld id="{3D4B9D3E-6E2A-4981-83F4-010F32C81BAE}" type="datetimeFigureOut">
               <a:rPr lang="en-US" smtClean="0"/>
-              <a:t>4/24/2019</a:t>
+              <a:t>4/26/2019</a:t>
             </a:fld>
             <a:endParaRPr lang="en-US"/>
           </a:p>
@@ -5846,12 +6915,8 @@
           <a:lstStyle/>
           <a:p>
             <a:r>
-              <a:rPr lang="en-US"/>
-              <a:t>Our Class </a:t>
-            </a:r>
-            <a:r>
               <a:rPr lang="en-US" dirty="0"/>
-              <a:t>Graph</a:t>
+              <a:t>Our Class Graph</a:t>
             </a:r>
           </a:p>
         </p:txBody>
@@ -5880,15 +6945,47 @@
           <a:lstStyle/>
           <a:p>
             <a:r>
-              <a:rPr lang="en-US" sz="2400" dirty="0"/>
-              <a:t>Do Now: Clone this lecture’s repository and open the </a:t>
-            </a:r>
-            <a:r>
-              <a:rPr lang="en-US" sz="2400" dirty="0" err="1"/>
+              <a:rPr lang="en-US" sz="2600" u="sng" dirty="0">
+                <a:solidFill>
+                  <a:schemeClr val="tx1">
+                    <a:lumMod val="85000"/>
+                    <a:lumOff val="15000"/>
+                  </a:schemeClr>
+                </a:solidFill>
+              </a:rPr>
+              <a:t>Do Now</a:t>
+            </a:r>
+            <a:r>
+              <a:rPr lang="en-US" sz="2600" dirty="0">
+                <a:solidFill>
+                  <a:schemeClr val="tx1">
+                    <a:lumMod val="85000"/>
+                    <a:lumOff val="15000"/>
+                  </a:schemeClr>
+                </a:solidFill>
+              </a:rPr>
+              <a:t>: Clone this lecture’s repository and open the </a:t>
+            </a:r>
+            <a:r>
+              <a:rPr lang="en-US" sz="2600" dirty="0" err="1">
+                <a:solidFill>
+                  <a:schemeClr val="tx1">
+                    <a:lumMod val="85000"/>
+                    <a:lumOff val="15000"/>
+                  </a:schemeClr>
+                </a:solidFill>
+              </a:rPr>
               <a:t>Jupyter</a:t>
             </a:r>
             <a:r>
-              <a:rPr lang="en-US" sz="2400" dirty="0"/>
+              <a:rPr lang="en-US" sz="2600" dirty="0">
+                <a:solidFill>
+                  <a:schemeClr val="tx1">
+                    <a:lumMod val="85000"/>
+                    <a:lumOff val="15000"/>
+                  </a:schemeClr>
+                </a:solidFill>
+              </a:rPr>
               <a:t> notebook</a:t>
             </a:r>
           </a:p>
@@ -5898,6 +6995,1112 @@
     <p:extLst>
       <p:ext uri="{BB962C8B-B14F-4D97-AF65-F5344CB8AC3E}">
         <p14:creationId xmlns:p14="http://schemas.microsoft.com/office/powerpoint/2010/main" val="2418126157"/>
+      </p:ext>
+    </p:extLst>
+  </p:cSld>
+  <p:clrMapOvr>
+    <a:masterClrMapping/>
+  </p:clrMapOvr>
+</p:sld>
+</file>
+
+<file path=ppt/slides/slide2.xml><?xml version="1.0" encoding="utf-8"?>
+<p:sld xmlns:a="http://schemas.openxmlformats.org/drawingml/2006/main" xmlns:r="http://schemas.openxmlformats.org/officeDocument/2006/relationships" xmlns:p="http://schemas.openxmlformats.org/presentationml/2006/main">
+  <p:cSld>
+    <p:spTree>
+      <p:nvGrpSpPr>
+        <p:cNvPr id="1" name=""/>
+        <p:cNvGrpSpPr/>
+        <p:nvPr/>
+      </p:nvGrpSpPr>
+      <p:grpSpPr>
+        <a:xfrm>
+          <a:off x="0" y="0"/>
+          <a:ext cx="0" cy="0"/>
+          <a:chOff x="0" y="0"/>
+          <a:chExt cx="0" cy="0"/>
+        </a:xfrm>
+      </p:grpSpPr>
+      <p:sp>
+        <p:nvSpPr>
+          <p:cNvPr id="2" name="Title 1">
+            <a:extLst>
+              <a:ext uri="{FF2B5EF4-FFF2-40B4-BE49-F238E27FC236}">
+                <a16:creationId xmlns:a16="http://schemas.microsoft.com/office/drawing/2014/main" id="{84E2F104-5A1B-4259-A8F8-82E57269D88D}"/>
+              </a:ext>
+            </a:extLst>
+          </p:cNvPr>
+          <p:cNvSpPr>
+            <a:spLocks noGrp="1"/>
+          </p:cNvSpPr>
+          <p:nvPr>
+            <p:ph type="title"/>
+          </p:nvPr>
+        </p:nvSpPr>
+        <p:spPr/>
+        <p:txBody>
+          <a:bodyPr/>
+          <a:lstStyle/>
+          <a:p>
+            <a:r>
+              <a:rPr lang="en-US" dirty="0"/>
+              <a:t>Do you all talk to each other? </a:t>
+            </a:r>
+          </a:p>
+        </p:txBody>
+      </p:sp>
+      <p:pic>
+        <p:nvPicPr>
+          <p:cNvPr id="1026" name="Picture 2" descr="Image result for I don't know what's going on">
+            <a:extLst>
+              <a:ext uri="{FF2B5EF4-FFF2-40B4-BE49-F238E27FC236}">
+                <a16:creationId xmlns:a16="http://schemas.microsoft.com/office/drawing/2014/main" id="{93B59D75-71DD-46A7-9F37-41D3ABB177B2}"/>
+              </a:ext>
+            </a:extLst>
+          </p:cNvPr>
+          <p:cNvPicPr>
+            <a:picLocks noChangeAspect="1" noChangeArrowheads="1"/>
+          </p:cNvPicPr>
+          <p:nvPr/>
+        </p:nvPicPr>
+        <p:blipFill rotWithShape="1">
+          <a:blip r:embed="rId3">
+            <a:extLst>
+              <a:ext uri="{28A0092B-C50C-407E-A947-70E740481C1C}">
+                <a14:useLocalDpi xmlns:a14="http://schemas.microsoft.com/office/drawing/2010/main" val="0"/>
+              </a:ext>
+            </a:extLst>
+          </a:blip>
+          <a:srcRect b="12350"/>
+          <a:stretch/>
+        </p:blipFill>
+        <p:spPr bwMode="auto">
+          <a:xfrm>
+            <a:off x="677334" y="1714135"/>
+            <a:ext cx="2028825" cy="1978635"/>
+          </a:xfrm>
+          <a:prstGeom prst="rect">
+            <a:avLst/>
+          </a:prstGeom>
+          <a:noFill/>
+          <a:extLst>
+            <a:ext uri="{909E8E84-426E-40DD-AFC4-6F175D3DCCD1}">
+              <a14:hiddenFill xmlns:a14="http://schemas.microsoft.com/office/drawing/2010/main">
+                <a:solidFill>
+                  <a:srgbClr val="FFFFFF"/>
+                </a:solidFill>
+              </a14:hiddenFill>
+            </a:ext>
+          </a:extLst>
+        </p:spPr>
+      </p:pic>
+      <p:pic>
+        <p:nvPicPr>
+          <p:cNvPr id="4" name="Picture 3">
+            <a:extLst>
+              <a:ext uri="{FF2B5EF4-FFF2-40B4-BE49-F238E27FC236}">
+                <a16:creationId xmlns:a16="http://schemas.microsoft.com/office/drawing/2014/main" id="{7F66CE2D-9F9E-47CF-8B90-0185D9A2639B}"/>
+              </a:ext>
+            </a:extLst>
+          </p:cNvPr>
+          <p:cNvPicPr>
+            <a:picLocks noChangeAspect="1"/>
+          </p:cNvPicPr>
+          <p:nvPr/>
+        </p:nvPicPr>
+        <p:blipFill>
+          <a:blip r:embed="rId4"/>
+          <a:stretch>
+            <a:fillRect/>
+          </a:stretch>
+        </p:blipFill>
+        <p:spPr>
+          <a:xfrm>
+            <a:off x="3546985" y="1354016"/>
+            <a:ext cx="6731110" cy="5240216"/>
+          </a:xfrm>
+          <a:prstGeom prst="rect">
+            <a:avLst/>
+          </a:prstGeom>
+        </p:spPr>
+      </p:pic>
+    </p:spTree>
+    <p:extLst>
+      <p:ext uri="{BB962C8B-B14F-4D97-AF65-F5344CB8AC3E}">
+        <p14:creationId xmlns:p14="http://schemas.microsoft.com/office/powerpoint/2010/main" val="2584492754"/>
+      </p:ext>
+    </p:extLst>
+  </p:cSld>
+  <p:clrMapOvr>
+    <a:masterClrMapping/>
+  </p:clrMapOvr>
+</p:sld>
+</file>
+
+<file path=ppt/slides/slide3.xml><?xml version="1.0" encoding="utf-8"?>
+<p:sld xmlns:a="http://schemas.openxmlformats.org/drawingml/2006/main" xmlns:r="http://schemas.openxmlformats.org/officeDocument/2006/relationships" xmlns:p="http://schemas.openxmlformats.org/presentationml/2006/main">
+  <p:cSld>
+    <p:spTree>
+      <p:nvGrpSpPr>
+        <p:cNvPr id="1" name=""/>
+        <p:cNvGrpSpPr/>
+        <p:nvPr/>
+      </p:nvGrpSpPr>
+      <p:grpSpPr>
+        <a:xfrm>
+          <a:off x="0" y="0"/>
+          <a:ext cx="0" cy="0"/>
+          <a:chOff x="0" y="0"/>
+          <a:chExt cx="0" cy="0"/>
+        </a:xfrm>
+      </p:grpSpPr>
+      <p:sp>
+        <p:nvSpPr>
+          <p:cNvPr id="2" name="Title 1">
+            <a:extLst>
+              <a:ext uri="{FF2B5EF4-FFF2-40B4-BE49-F238E27FC236}">
+                <a16:creationId xmlns:a16="http://schemas.microsoft.com/office/drawing/2014/main" id="{0CEF05AF-BB09-45DE-A9B2-7AB9D81705F2}"/>
+              </a:ext>
+            </a:extLst>
+          </p:cNvPr>
+          <p:cNvSpPr>
+            <a:spLocks noGrp="1"/>
+          </p:cNvSpPr>
+          <p:nvPr>
+            <p:ph type="title"/>
+          </p:nvPr>
+        </p:nvSpPr>
+        <p:spPr/>
+        <p:txBody>
+          <a:bodyPr/>
+          <a:lstStyle/>
+          <a:p>
+            <a:r>
+              <a:rPr lang="en-US" dirty="0"/>
+              <a:t>Today’s Learning Goals</a:t>
+            </a:r>
+          </a:p>
+        </p:txBody>
+      </p:sp>
+      <p:sp>
+        <p:nvSpPr>
+          <p:cNvPr id="3" name="Content Placeholder 2">
+            <a:extLst>
+              <a:ext uri="{FF2B5EF4-FFF2-40B4-BE49-F238E27FC236}">
+                <a16:creationId xmlns:a16="http://schemas.microsoft.com/office/drawing/2014/main" id="{A8DBEB79-6C9A-445A-B827-F9A1C5DD7400}"/>
+              </a:ext>
+            </a:extLst>
+          </p:cNvPr>
+          <p:cNvSpPr>
+            <a:spLocks noGrp="1"/>
+          </p:cNvSpPr>
+          <p:nvPr>
+            <p:ph idx="1"/>
+          </p:nvPr>
+        </p:nvSpPr>
+        <p:spPr>
+          <a:xfrm>
+            <a:off x="677333" y="2160589"/>
+            <a:ext cx="8920713" cy="3880773"/>
+          </a:xfrm>
+        </p:spPr>
+        <p:txBody>
+          <a:bodyPr>
+            <a:normAutofit/>
+          </a:bodyPr>
+          <a:lstStyle/>
+          <a:p>
+            <a:r>
+              <a:rPr lang="en-US" sz="2400" dirty="0"/>
+              <a:t>Use </a:t>
+            </a:r>
+            <a:r>
+              <a:rPr lang="en-US" sz="2400" dirty="0" err="1"/>
+              <a:t>NetworkX</a:t>
+            </a:r>
+            <a:r>
+              <a:rPr lang="en-US" sz="2400" dirty="0"/>
+              <a:t> to visualize and analyze a network</a:t>
+            </a:r>
+          </a:p>
+          <a:p>
+            <a:r>
+              <a:rPr lang="en-US" sz="2400" dirty="0"/>
+              <a:t>Describe networks using concepts such as connectivity, centrality and communities</a:t>
+            </a:r>
+          </a:p>
+          <a:p>
+            <a:r>
+              <a:rPr lang="en-US" sz="2400" dirty="0"/>
+              <a:t>Use descriptive information about graphs to make real-world recommendations</a:t>
+            </a:r>
+          </a:p>
+          <a:p>
+            <a:pPr marL="0" indent="0">
+              <a:buNone/>
+            </a:pPr>
+            <a:endParaRPr lang="en-US" sz="2400" dirty="0"/>
+          </a:p>
+        </p:txBody>
+      </p:sp>
+    </p:spTree>
+    <p:extLst>
+      <p:ext uri="{BB962C8B-B14F-4D97-AF65-F5344CB8AC3E}">
+        <p14:creationId xmlns:p14="http://schemas.microsoft.com/office/powerpoint/2010/main" val="3005100453"/>
+      </p:ext>
+    </p:extLst>
+  </p:cSld>
+  <p:clrMapOvr>
+    <a:masterClrMapping/>
+  </p:clrMapOvr>
+</p:sld>
+</file>
+
+<file path=ppt/slides/slide4.xml><?xml version="1.0" encoding="utf-8"?>
+<p:sld xmlns:a="http://schemas.openxmlformats.org/drawingml/2006/main" xmlns:r="http://schemas.openxmlformats.org/officeDocument/2006/relationships" xmlns:p="http://schemas.openxmlformats.org/presentationml/2006/main">
+  <p:cSld>
+    <p:spTree>
+      <p:nvGrpSpPr>
+        <p:cNvPr id="1" name=""/>
+        <p:cNvGrpSpPr/>
+        <p:nvPr/>
+      </p:nvGrpSpPr>
+      <p:grpSpPr>
+        <a:xfrm>
+          <a:off x="0" y="0"/>
+          <a:ext cx="0" cy="0"/>
+          <a:chOff x="0" y="0"/>
+          <a:chExt cx="0" cy="0"/>
+        </a:xfrm>
+      </p:grpSpPr>
+      <p:sp>
+        <p:nvSpPr>
+          <p:cNvPr id="2" name="Title 1">
+            <a:extLst>
+              <a:ext uri="{FF2B5EF4-FFF2-40B4-BE49-F238E27FC236}">
+                <a16:creationId xmlns:a16="http://schemas.microsoft.com/office/drawing/2014/main" id="{E60A0F4E-AF9B-4218-A1EF-0ED6E0E1EA6D}"/>
+              </a:ext>
+            </a:extLst>
+          </p:cNvPr>
+          <p:cNvSpPr>
+            <a:spLocks noGrp="1"/>
+          </p:cNvSpPr>
+          <p:nvPr>
+            <p:ph type="title"/>
+          </p:nvPr>
+        </p:nvSpPr>
+        <p:spPr/>
+        <p:txBody>
+          <a:bodyPr/>
+          <a:lstStyle/>
+          <a:p>
+            <a:r>
+              <a:rPr lang="en-US" dirty="0"/>
+              <a:t>Today’s Activity</a:t>
+            </a:r>
+          </a:p>
+        </p:txBody>
+      </p:sp>
+      <p:sp>
+        <p:nvSpPr>
+          <p:cNvPr id="3" name="Content Placeholder 2">
+            <a:extLst>
+              <a:ext uri="{FF2B5EF4-FFF2-40B4-BE49-F238E27FC236}">
+                <a16:creationId xmlns:a16="http://schemas.microsoft.com/office/drawing/2014/main" id="{F10C7D6A-A772-4074-8BDA-23AFD2EDF8B7}"/>
+              </a:ext>
+            </a:extLst>
+          </p:cNvPr>
+          <p:cNvSpPr>
+            <a:spLocks noGrp="1"/>
+          </p:cNvSpPr>
+          <p:nvPr>
+            <p:ph idx="1"/>
+          </p:nvPr>
+        </p:nvSpPr>
+        <p:spPr>
+          <a:xfrm>
+            <a:off x="475534" y="1507183"/>
+            <a:ext cx="9122513" cy="5177396"/>
+          </a:xfrm>
+        </p:spPr>
+        <p:txBody>
+          <a:bodyPr>
+            <a:normAutofit lnSpcReduction="10000"/>
+          </a:bodyPr>
+          <a:lstStyle/>
+          <a:p>
+            <a:pPr marL="0" indent="0">
+              <a:buNone/>
+            </a:pPr>
+            <a:r>
+              <a:rPr lang="en-US" sz="2400" dirty="0"/>
+              <a:t>Activity Goal: Make recommendations to me, as your teacher, about how to improve class cohesion</a:t>
+            </a:r>
+          </a:p>
+          <a:p>
+            <a:pPr>
+              <a:buFont typeface="+mj-lt"/>
+              <a:buAutoNum type="arabicPeriod"/>
+            </a:pPr>
+            <a:endParaRPr lang="en-US" sz="2200" dirty="0"/>
+          </a:p>
+          <a:p>
+            <a:pPr>
+              <a:buFont typeface="+mj-lt"/>
+              <a:buAutoNum type="arabicPeriod"/>
+            </a:pPr>
+            <a:r>
+              <a:rPr lang="en-US" sz="2200" dirty="0"/>
+              <a:t>Work in pairs to analyze our class’s responses using the </a:t>
+            </a:r>
+            <a:r>
+              <a:rPr lang="en-US" sz="2200" dirty="0" err="1"/>
+              <a:t>Jupyter</a:t>
+            </a:r>
+            <a:r>
+              <a:rPr lang="en-US" sz="2200" dirty="0"/>
+              <a:t> notebook (35 min)</a:t>
+            </a:r>
+          </a:p>
+          <a:p>
+            <a:pPr>
+              <a:buFont typeface="+mj-lt"/>
+              <a:buAutoNum type="arabicPeriod"/>
+            </a:pPr>
+            <a:endParaRPr lang="en-US" sz="2200" dirty="0"/>
+          </a:p>
+          <a:p>
+            <a:pPr>
+              <a:buFont typeface="+mj-lt"/>
+              <a:buAutoNum type="arabicPeriod"/>
+            </a:pPr>
+            <a:r>
+              <a:rPr lang="en-US" sz="2200" dirty="0"/>
+              <a:t>Pairs will join up to make groups of four to discuss answers and pick one to share (15 min)</a:t>
+            </a:r>
+          </a:p>
+          <a:p>
+            <a:pPr>
+              <a:buFont typeface="+mj-lt"/>
+              <a:buAutoNum type="arabicPeriod"/>
+            </a:pPr>
+            <a:endParaRPr lang="en-US" sz="2200" dirty="0"/>
+          </a:p>
+          <a:p>
+            <a:pPr>
+              <a:buFont typeface="+mj-lt"/>
+              <a:buAutoNum type="arabicPeriod"/>
+            </a:pPr>
+            <a:r>
+              <a:rPr lang="en-US" sz="2200" dirty="0"/>
+              <a:t>Each group will share with the class one finding and related recommendation (20 min)</a:t>
+            </a:r>
+          </a:p>
+          <a:p>
+            <a:pPr>
+              <a:buFont typeface="+mj-lt"/>
+              <a:buAutoNum type="arabicPeriod"/>
+            </a:pPr>
+            <a:endParaRPr lang="en-US" sz="2200" dirty="0"/>
+          </a:p>
+          <a:p>
+            <a:pPr>
+              <a:buFont typeface="+mj-lt"/>
+              <a:buAutoNum type="arabicPeriod"/>
+            </a:pPr>
+            <a:r>
+              <a:rPr lang="en-US" sz="2200" dirty="0"/>
+              <a:t>Whole-class discussion about the activity (10 min)</a:t>
+            </a:r>
+          </a:p>
+          <a:p>
+            <a:endParaRPr lang="en-US" dirty="0"/>
+          </a:p>
+        </p:txBody>
+      </p:sp>
+      <p:pic>
+        <p:nvPicPr>
+          <p:cNvPr id="4" name="Picture 3">
+            <a:extLst>
+              <a:ext uri="{FF2B5EF4-FFF2-40B4-BE49-F238E27FC236}">
+                <a16:creationId xmlns:a16="http://schemas.microsoft.com/office/drawing/2014/main" id="{461A216C-EEE1-4875-B219-D8B252CE9BD8}"/>
+              </a:ext>
+            </a:extLst>
+          </p:cNvPr>
+          <p:cNvPicPr>
+            <a:picLocks noChangeAspect="1"/>
+          </p:cNvPicPr>
+          <p:nvPr/>
+        </p:nvPicPr>
+        <p:blipFill>
+          <a:blip r:embed="rId3"/>
+          <a:stretch>
+            <a:fillRect/>
+          </a:stretch>
+        </p:blipFill>
+        <p:spPr>
+          <a:xfrm>
+            <a:off x="9185715" y="2062368"/>
+            <a:ext cx="1906903" cy="1679134"/>
+          </a:xfrm>
+          <a:prstGeom prst="rect">
+            <a:avLst/>
+          </a:prstGeom>
+          <a:ln w="19050">
+            <a:solidFill>
+              <a:schemeClr val="tx1"/>
+            </a:solidFill>
+          </a:ln>
+        </p:spPr>
+      </p:pic>
+    </p:spTree>
+    <p:extLst>
+      <p:ext uri="{BB962C8B-B14F-4D97-AF65-F5344CB8AC3E}">
+        <p14:creationId xmlns:p14="http://schemas.microsoft.com/office/powerpoint/2010/main" val="3608259863"/>
+      </p:ext>
+    </p:extLst>
+  </p:cSld>
+  <p:clrMapOvr>
+    <a:masterClrMapping/>
+  </p:clrMapOvr>
+</p:sld>
+</file>
+
+<file path=ppt/slides/slide5.xml><?xml version="1.0" encoding="utf-8"?>
+<p:sld xmlns:a="http://schemas.openxmlformats.org/drawingml/2006/main" xmlns:r="http://schemas.openxmlformats.org/officeDocument/2006/relationships" xmlns:p="http://schemas.openxmlformats.org/presentationml/2006/main">
+  <p:cSld>
+    <p:spTree>
+      <p:nvGrpSpPr>
+        <p:cNvPr id="1" name=""/>
+        <p:cNvGrpSpPr/>
+        <p:nvPr/>
+      </p:nvGrpSpPr>
+      <p:grpSpPr>
+        <a:xfrm>
+          <a:off x="0" y="0"/>
+          <a:ext cx="0" cy="0"/>
+          <a:chOff x="0" y="0"/>
+          <a:chExt cx="0" cy="0"/>
+        </a:xfrm>
+      </p:grpSpPr>
+      <p:sp>
+        <p:nvSpPr>
+          <p:cNvPr id="2" name="Title 1">
+            <a:extLst>
+              <a:ext uri="{FF2B5EF4-FFF2-40B4-BE49-F238E27FC236}">
+                <a16:creationId xmlns:a16="http://schemas.microsoft.com/office/drawing/2014/main" id="{AF6AC140-DE2D-40AF-B661-D769B09A63AF}"/>
+              </a:ext>
+            </a:extLst>
+          </p:cNvPr>
+          <p:cNvSpPr>
+            <a:spLocks noGrp="1"/>
+          </p:cNvSpPr>
+          <p:nvPr>
+            <p:ph type="title"/>
+          </p:nvPr>
+        </p:nvSpPr>
+        <p:spPr/>
+        <p:txBody>
+          <a:bodyPr/>
+          <a:lstStyle/>
+          <a:p>
+            <a:r>
+              <a:rPr lang="en-US" dirty="0"/>
+              <a:t>Notes About Today’s Activity</a:t>
+            </a:r>
+          </a:p>
+        </p:txBody>
+      </p:sp>
+      <p:sp>
+        <p:nvSpPr>
+          <p:cNvPr id="3" name="Content Placeholder 2">
+            <a:extLst>
+              <a:ext uri="{FF2B5EF4-FFF2-40B4-BE49-F238E27FC236}">
+                <a16:creationId xmlns:a16="http://schemas.microsoft.com/office/drawing/2014/main" id="{2151D02B-B357-4647-A8D6-B3F16CB293C3}"/>
+              </a:ext>
+            </a:extLst>
+          </p:cNvPr>
+          <p:cNvSpPr>
+            <a:spLocks noGrp="1"/>
+          </p:cNvSpPr>
+          <p:nvPr>
+            <p:ph idx="1"/>
+          </p:nvPr>
+        </p:nvSpPr>
+        <p:spPr>
+          <a:xfrm>
+            <a:off x="677334" y="1664839"/>
+            <a:ext cx="8596668" cy="4376523"/>
+          </a:xfrm>
+        </p:spPr>
+        <p:txBody>
+          <a:bodyPr>
+            <a:noAutofit/>
+          </a:bodyPr>
+          <a:lstStyle/>
+          <a:p>
+            <a:r>
+              <a:rPr lang="en-US" sz="2200" dirty="0"/>
+              <a:t>I have no idea what our class network actually looks like – it could be weird</a:t>
+            </a:r>
+          </a:p>
+          <a:p>
+            <a:endParaRPr lang="en-US" sz="2200" dirty="0"/>
+          </a:p>
+          <a:p>
+            <a:r>
+              <a:rPr lang="en-US" sz="2200" dirty="0"/>
+              <a:t>You have a fair amount of leeway to interpret/answer some of the questions in the notebook. Feel free to be creative! </a:t>
+            </a:r>
+          </a:p>
+          <a:p>
+            <a:endParaRPr lang="en-US" sz="2200" dirty="0"/>
+          </a:p>
+          <a:p>
+            <a:r>
+              <a:rPr lang="en-US" sz="2200" dirty="0"/>
+              <a:t>If you get stuck, there are hints at the bottom of the notebook</a:t>
+            </a:r>
+          </a:p>
+          <a:p>
+            <a:endParaRPr lang="en-US" sz="2200" dirty="0"/>
+          </a:p>
+          <a:p>
+            <a:r>
+              <a:rPr lang="en-US" sz="2200" dirty="0"/>
+              <a:t>Task 5 asks you to make recommendations to me for improving class cohesion. I promise to listen to your recommendations, but not necessarily to use them</a:t>
+            </a:r>
+          </a:p>
+          <a:p>
+            <a:endParaRPr lang="en-US" sz="2200" dirty="0"/>
+          </a:p>
+        </p:txBody>
+      </p:sp>
+    </p:spTree>
+    <p:extLst>
+      <p:ext uri="{BB962C8B-B14F-4D97-AF65-F5344CB8AC3E}">
+        <p14:creationId xmlns:p14="http://schemas.microsoft.com/office/powerpoint/2010/main" val="1418714399"/>
+      </p:ext>
+    </p:extLst>
+  </p:cSld>
+  <p:clrMapOvr>
+    <a:masterClrMapping/>
+  </p:clrMapOvr>
+</p:sld>
+</file>
+
+<file path=ppt/slides/slide6.xml><?xml version="1.0" encoding="utf-8"?>
+<p:sld xmlns:a="http://schemas.openxmlformats.org/drawingml/2006/main" xmlns:r="http://schemas.openxmlformats.org/officeDocument/2006/relationships" xmlns:p="http://schemas.openxmlformats.org/presentationml/2006/main">
+  <p:cSld>
+    <p:spTree>
+      <p:nvGrpSpPr>
+        <p:cNvPr id="1" name=""/>
+        <p:cNvGrpSpPr/>
+        <p:nvPr/>
+      </p:nvGrpSpPr>
+      <p:grpSpPr>
+        <a:xfrm>
+          <a:off x="0" y="0"/>
+          <a:ext cx="0" cy="0"/>
+          <a:chOff x="0" y="0"/>
+          <a:chExt cx="0" cy="0"/>
+        </a:xfrm>
+      </p:grpSpPr>
+      <p:sp>
+        <p:nvSpPr>
+          <p:cNvPr id="2" name="Title 1">
+            <a:extLst>
+              <a:ext uri="{FF2B5EF4-FFF2-40B4-BE49-F238E27FC236}">
+                <a16:creationId xmlns:a16="http://schemas.microsoft.com/office/drawing/2014/main" id="{E247F92A-5637-4881-B04E-959FBADD3FEC}"/>
+              </a:ext>
+            </a:extLst>
+          </p:cNvPr>
+          <p:cNvSpPr>
+            <a:spLocks noGrp="1"/>
+          </p:cNvSpPr>
+          <p:nvPr>
+            <p:ph type="title"/>
+          </p:nvPr>
+        </p:nvSpPr>
+        <p:spPr/>
+        <p:txBody>
+          <a:bodyPr>
+            <a:normAutofit fontScale="90000"/>
+          </a:bodyPr>
+          <a:lstStyle/>
+          <a:p>
+            <a:r>
+              <a:rPr lang="en-US" dirty="0"/>
+              <a:t>Work in pairs to analyze our class’s responses using the </a:t>
+            </a:r>
+            <a:r>
+              <a:rPr lang="en-US" dirty="0" err="1"/>
+              <a:t>Jupyter</a:t>
+            </a:r>
+            <a:r>
+              <a:rPr lang="en-US" dirty="0"/>
+              <a:t> notebook (35 min)</a:t>
+            </a:r>
+          </a:p>
+        </p:txBody>
+      </p:sp>
+      <p:sp>
+        <p:nvSpPr>
+          <p:cNvPr id="3" name="Content Placeholder 2">
+            <a:extLst>
+              <a:ext uri="{FF2B5EF4-FFF2-40B4-BE49-F238E27FC236}">
+                <a16:creationId xmlns:a16="http://schemas.microsoft.com/office/drawing/2014/main" id="{31F2717A-7650-4FAC-9BC2-5AC959A36815}"/>
+              </a:ext>
+            </a:extLst>
+          </p:cNvPr>
+          <p:cNvSpPr>
+            <a:spLocks noGrp="1"/>
+          </p:cNvSpPr>
+          <p:nvPr>
+            <p:ph idx="1"/>
+          </p:nvPr>
+        </p:nvSpPr>
+        <p:spPr/>
+        <p:txBody>
+          <a:bodyPr>
+            <a:normAutofit/>
+          </a:bodyPr>
+          <a:lstStyle/>
+          <a:p>
+            <a:r>
+              <a:rPr lang="en-US" sz="2400" dirty="0">
+                <a:solidFill>
+                  <a:schemeClr val="tx1">
+                    <a:lumMod val="85000"/>
+                    <a:lumOff val="15000"/>
+                  </a:schemeClr>
+                </a:solidFill>
+              </a:rPr>
+              <a:t>We have given you code to import and scrub the responses</a:t>
+            </a:r>
+          </a:p>
+          <a:p>
+            <a:endParaRPr lang="en-US" sz="2400" dirty="0"/>
+          </a:p>
+          <a:p>
+            <a:r>
+              <a:rPr lang="en-US" sz="2400" dirty="0"/>
+              <a:t>There are hints at the bottom of the notebook</a:t>
+            </a:r>
+          </a:p>
+          <a:p>
+            <a:endParaRPr lang="en-US" sz="2400" dirty="0"/>
+          </a:p>
+          <a:p>
+            <a:r>
+              <a:rPr lang="en-US" sz="2400" dirty="0"/>
+              <a:t>Raise your hand if you need assistance</a:t>
+            </a:r>
+          </a:p>
+        </p:txBody>
+      </p:sp>
+    </p:spTree>
+    <p:extLst>
+      <p:ext uri="{BB962C8B-B14F-4D97-AF65-F5344CB8AC3E}">
+        <p14:creationId xmlns:p14="http://schemas.microsoft.com/office/powerpoint/2010/main" val="1891781985"/>
+      </p:ext>
+    </p:extLst>
+  </p:cSld>
+  <p:clrMapOvr>
+    <a:masterClrMapping/>
+  </p:clrMapOvr>
+</p:sld>
+</file>
+
+<file path=ppt/slides/slide7.xml><?xml version="1.0" encoding="utf-8"?>
+<p:sld xmlns:a="http://schemas.openxmlformats.org/drawingml/2006/main" xmlns:r="http://schemas.openxmlformats.org/officeDocument/2006/relationships" xmlns:p="http://schemas.openxmlformats.org/presentationml/2006/main">
+  <p:cSld>
+    <p:spTree>
+      <p:nvGrpSpPr>
+        <p:cNvPr id="1" name=""/>
+        <p:cNvGrpSpPr/>
+        <p:nvPr/>
+      </p:nvGrpSpPr>
+      <p:grpSpPr>
+        <a:xfrm>
+          <a:off x="0" y="0"/>
+          <a:ext cx="0" cy="0"/>
+          <a:chOff x="0" y="0"/>
+          <a:chExt cx="0" cy="0"/>
+        </a:xfrm>
+      </p:grpSpPr>
+      <p:sp>
+        <p:nvSpPr>
+          <p:cNvPr id="2" name="Title 1">
+            <a:extLst>
+              <a:ext uri="{FF2B5EF4-FFF2-40B4-BE49-F238E27FC236}">
+                <a16:creationId xmlns:a16="http://schemas.microsoft.com/office/drawing/2014/main" id="{59F81D03-A047-46C3-9FB1-A953E9623FEA}"/>
+              </a:ext>
+            </a:extLst>
+          </p:cNvPr>
+          <p:cNvSpPr>
+            <a:spLocks noGrp="1"/>
+          </p:cNvSpPr>
+          <p:nvPr>
+            <p:ph type="title"/>
+          </p:nvPr>
+        </p:nvSpPr>
+        <p:spPr/>
+        <p:txBody>
+          <a:bodyPr>
+            <a:normAutofit fontScale="90000"/>
+          </a:bodyPr>
+          <a:lstStyle/>
+          <a:p>
+            <a:r>
+              <a:rPr lang="en-US" dirty="0"/>
+              <a:t>Pairs join to make groups of four to discuss answers and prepare to share (15 min)</a:t>
+            </a:r>
+          </a:p>
+        </p:txBody>
+      </p:sp>
+      <p:sp>
+        <p:nvSpPr>
+          <p:cNvPr id="3" name="Content Placeholder 2">
+            <a:extLst>
+              <a:ext uri="{FF2B5EF4-FFF2-40B4-BE49-F238E27FC236}">
+                <a16:creationId xmlns:a16="http://schemas.microsoft.com/office/drawing/2014/main" id="{BF24FBDB-690B-4398-A9E3-421A0B3808AF}"/>
+              </a:ext>
+            </a:extLst>
+          </p:cNvPr>
+          <p:cNvSpPr>
+            <a:spLocks noGrp="1"/>
+          </p:cNvSpPr>
+          <p:nvPr>
+            <p:ph idx="1"/>
+          </p:nvPr>
+        </p:nvSpPr>
+        <p:spPr/>
+        <p:txBody>
+          <a:bodyPr>
+            <a:normAutofit/>
+          </a:bodyPr>
+          <a:lstStyle/>
+          <a:p>
+            <a:r>
+              <a:rPr lang="en-US" sz="2400" dirty="0">
+                <a:solidFill>
+                  <a:schemeClr val="tx1">
+                    <a:lumMod val="85000"/>
+                    <a:lumOff val="15000"/>
+                  </a:schemeClr>
+                </a:solidFill>
+              </a:rPr>
+              <a:t>You will have ~1 minute to share one recommendation and the findings that support that recommendation</a:t>
+            </a:r>
+            <a:endParaRPr lang="en-US" sz="2400" i="1" dirty="0">
+              <a:solidFill>
+                <a:schemeClr val="tx1">
+                  <a:lumMod val="85000"/>
+                  <a:lumOff val="15000"/>
+                </a:schemeClr>
+              </a:solidFill>
+            </a:endParaRPr>
+          </a:p>
+          <a:p>
+            <a:endParaRPr lang="en-US" sz="2400" dirty="0">
+              <a:solidFill>
+                <a:schemeClr val="tx1">
+                  <a:lumMod val="85000"/>
+                  <a:lumOff val="15000"/>
+                </a:schemeClr>
+              </a:solidFill>
+            </a:endParaRPr>
+          </a:p>
+          <a:p>
+            <a:r>
+              <a:rPr lang="en-US" sz="2400" dirty="0">
+                <a:solidFill>
+                  <a:schemeClr val="tx1">
+                    <a:lumMod val="85000"/>
+                    <a:lumOff val="15000"/>
+                  </a:schemeClr>
+                </a:solidFill>
+              </a:rPr>
+              <a:t>The class will have ~3 minutes to ask questions after you share</a:t>
+            </a:r>
+          </a:p>
+          <a:p>
+            <a:endParaRPr lang="en-US" sz="2400" dirty="0">
+              <a:solidFill>
+                <a:schemeClr val="tx1">
+                  <a:lumMod val="85000"/>
+                  <a:lumOff val="15000"/>
+                </a:schemeClr>
+              </a:solidFill>
+            </a:endParaRPr>
+          </a:p>
+          <a:p>
+            <a:r>
+              <a:rPr lang="en-US" sz="2400" dirty="0">
+                <a:solidFill>
+                  <a:schemeClr val="tx1">
+                    <a:lumMod val="85000"/>
+                    <a:lumOff val="15000"/>
+                  </a:schemeClr>
+                </a:solidFill>
+              </a:rPr>
+              <a:t>If you want to show text or a visual to the class, please email/Slack it to me</a:t>
+            </a:r>
+          </a:p>
+          <a:p>
+            <a:pPr marL="0" indent="0">
+              <a:buNone/>
+            </a:pPr>
+            <a:endParaRPr lang="en-US" sz="2400" dirty="0"/>
+          </a:p>
+        </p:txBody>
+      </p:sp>
+    </p:spTree>
+    <p:extLst>
+      <p:ext uri="{BB962C8B-B14F-4D97-AF65-F5344CB8AC3E}">
+        <p14:creationId xmlns:p14="http://schemas.microsoft.com/office/powerpoint/2010/main" val="2846353060"/>
+      </p:ext>
+    </p:extLst>
+  </p:cSld>
+  <p:clrMapOvr>
+    <a:masterClrMapping/>
+  </p:clrMapOvr>
+</p:sld>
+</file>
+
+<file path=ppt/slides/slide8.xml><?xml version="1.0" encoding="utf-8"?>
+<p:sld xmlns:a="http://schemas.openxmlformats.org/drawingml/2006/main" xmlns:r="http://schemas.openxmlformats.org/officeDocument/2006/relationships" xmlns:p="http://schemas.openxmlformats.org/presentationml/2006/main">
+  <p:cSld>
+    <p:spTree>
+      <p:nvGrpSpPr>
+        <p:cNvPr id="1" name=""/>
+        <p:cNvGrpSpPr/>
+        <p:nvPr/>
+      </p:nvGrpSpPr>
+      <p:grpSpPr>
+        <a:xfrm>
+          <a:off x="0" y="0"/>
+          <a:ext cx="0" cy="0"/>
+          <a:chOff x="0" y="0"/>
+          <a:chExt cx="0" cy="0"/>
+        </a:xfrm>
+      </p:grpSpPr>
+      <p:sp>
+        <p:nvSpPr>
+          <p:cNvPr id="2" name="Title 1">
+            <a:extLst>
+              <a:ext uri="{FF2B5EF4-FFF2-40B4-BE49-F238E27FC236}">
+                <a16:creationId xmlns:a16="http://schemas.microsoft.com/office/drawing/2014/main" id="{59F81D03-A047-46C3-9FB1-A953E9623FEA}"/>
+              </a:ext>
+            </a:extLst>
+          </p:cNvPr>
+          <p:cNvSpPr>
+            <a:spLocks noGrp="1"/>
+          </p:cNvSpPr>
+          <p:nvPr>
+            <p:ph type="title"/>
+          </p:nvPr>
+        </p:nvSpPr>
+        <p:spPr>
+          <a:xfrm>
+            <a:off x="677334" y="609600"/>
+            <a:ext cx="8596668" cy="1320800"/>
+          </a:xfrm>
+        </p:spPr>
+        <p:txBody>
+          <a:bodyPr>
+            <a:normAutofit/>
+          </a:bodyPr>
+          <a:lstStyle/>
+          <a:p>
+            <a:r>
+              <a:rPr lang="en-US" dirty="0"/>
+              <a:t>Each group will share with the class one recommendation and supporting findings</a:t>
+            </a:r>
+          </a:p>
+        </p:txBody>
+      </p:sp>
+      <p:sp>
+        <p:nvSpPr>
+          <p:cNvPr id="3" name="Content Placeholder 2">
+            <a:extLst>
+              <a:ext uri="{FF2B5EF4-FFF2-40B4-BE49-F238E27FC236}">
+                <a16:creationId xmlns:a16="http://schemas.microsoft.com/office/drawing/2014/main" id="{BF24FBDB-690B-4398-A9E3-421A0B3808AF}"/>
+              </a:ext>
+            </a:extLst>
+          </p:cNvPr>
+          <p:cNvSpPr>
+            <a:spLocks noGrp="1"/>
+          </p:cNvSpPr>
+          <p:nvPr>
+            <p:ph idx="1"/>
+          </p:nvPr>
+        </p:nvSpPr>
+        <p:spPr/>
+        <p:txBody>
+          <a:bodyPr>
+            <a:normAutofit/>
+          </a:bodyPr>
+          <a:lstStyle/>
+          <a:p>
+            <a:r>
+              <a:rPr lang="en-US" sz="2400" dirty="0">
+                <a:solidFill>
+                  <a:schemeClr val="tx1">
+                    <a:lumMod val="85000"/>
+                    <a:lumOff val="15000"/>
+                  </a:schemeClr>
+                </a:solidFill>
+              </a:rPr>
+              <a:t>You will have ~1 minute to share</a:t>
+            </a:r>
+          </a:p>
+          <a:p>
+            <a:endParaRPr lang="en-US" sz="2400" dirty="0">
+              <a:solidFill>
+                <a:schemeClr val="tx1">
+                  <a:lumMod val="85000"/>
+                  <a:lumOff val="15000"/>
+                </a:schemeClr>
+              </a:solidFill>
+            </a:endParaRPr>
+          </a:p>
+          <a:p>
+            <a:r>
+              <a:rPr lang="en-US" sz="2400" dirty="0">
+                <a:solidFill>
+                  <a:schemeClr val="tx1">
+                    <a:lumMod val="85000"/>
+                    <a:lumOff val="15000"/>
+                  </a:schemeClr>
+                </a:solidFill>
+              </a:rPr>
+              <a:t>The class will have ~3 minutes to ask questions</a:t>
+            </a:r>
+          </a:p>
+        </p:txBody>
+      </p:sp>
+    </p:spTree>
+    <p:extLst>
+      <p:ext uri="{BB962C8B-B14F-4D97-AF65-F5344CB8AC3E}">
+        <p14:creationId xmlns:p14="http://schemas.microsoft.com/office/powerpoint/2010/main" val="3495365524"/>
+      </p:ext>
+    </p:extLst>
+  </p:cSld>
+  <p:clrMapOvr>
+    <a:masterClrMapping/>
+  </p:clrMapOvr>
+</p:sld>
+</file>
+
+<file path=ppt/slides/slide9.xml><?xml version="1.0" encoding="utf-8"?>
+<p:sld xmlns:a="http://schemas.openxmlformats.org/drawingml/2006/main" xmlns:r="http://schemas.openxmlformats.org/officeDocument/2006/relationships" xmlns:p="http://schemas.openxmlformats.org/presentationml/2006/main">
+  <p:cSld>
+    <p:spTree>
+      <p:nvGrpSpPr>
+        <p:cNvPr id="1" name=""/>
+        <p:cNvGrpSpPr/>
+        <p:nvPr/>
+      </p:nvGrpSpPr>
+      <p:grpSpPr>
+        <a:xfrm>
+          <a:off x="0" y="0"/>
+          <a:ext cx="0" cy="0"/>
+          <a:chOff x="0" y="0"/>
+          <a:chExt cx="0" cy="0"/>
+        </a:xfrm>
+      </p:grpSpPr>
+      <p:sp>
+        <p:nvSpPr>
+          <p:cNvPr id="2" name="Title 1">
+            <a:extLst>
+              <a:ext uri="{FF2B5EF4-FFF2-40B4-BE49-F238E27FC236}">
+                <a16:creationId xmlns:a16="http://schemas.microsoft.com/office/drawing/2014/main" id="{35011C56-CE15-46F9-B04A-962C31FA0E0C}"/>
+              </a:ext>
+            </a:extLst>
+          </p:cNvPr>
+          <p:cNvSpPr>
+            <a:spLocks noGrp="1"/>
+          </p:cNvSpPr>
+          <p:nvPr>
+            <p:ph type="title"/>
+          </p:nvPr>
+        </p:nvSpPr>
+        <p:spPr/>
+        <p:txBody>
+          <a:bodyPr/>
+          <a:lstStyle/>
+          <a:p>
+            <a:r>
+              <a:rPr lang="en-US" dirty="0"/>
+              <a:t>Discussion</a:t>
+            </a:r>
+          </a:p>
+        </p:txBody>
+      </p:sp>
+      <p:sp>
+        <p:nvSpPr>
+          <p:cNvPr id="3" name="Content Placeholder 2">
+            <a:extLst>
+              <a:ext uri="{FF2B5EF4-FFF2-40B4-BE49-F238E27FC236}">
+                <a16:creationId xmlns:a16="http://schemas.microsoft.com/office/drawing/2014/main" id="{39B1D89A-508D-4076-A72E-3CB23A32623C}"/>
+              </a:ext>
+            </a:extLst>
+          </p:cNvPr>
+          <p:cNvSpPr>
+            <a:spLocks noGrp="1"/>
+          </p:cNvSpPr>
+          <p:nvPr>
+            <p:ph idx="1"/>
+          </p:nvPr>
+        </p:nvSpPr>
+        <p:spPr>
+          <a:xfrm>
+            <a:off x="677334" y="1456735"/>
+            <a:ext cx="8596668" cy="4584628"/>
+          </a:xfrm>
+        </p:spPr>
+        <p:txBody>
+          <a:bodyPr>
+            <a:normAutofit/>
+          </a:bodyPr>
+          <a:lstStyle/>
+          <a:p>
+            <a:r>
+              <a:rPr lang="en-US" sz="2400" dirty="0"/>
+              <a:t>What were some limitations to this analysis? How might you revise the activity to address them?</a:t>
+            </a:r>
+          </a:p>
+          <a:p>
+            <a:endParaRPr lang="en-US" sz="2400" dirty="0"/>
+          </a:p>
+          <a:p>
+            <a:r>
+              <a:rPr lang="en-US" sz="2400" dirty="0"/>
+              <a:t>Could this class graph be useful for anything other than recommendations </a:t>
+            </a:r>
+            <a:r>
+              <a:rPr lang="en-US" sz="2400"/>
+              <a:t>for me?</a:t>
+            </a:r>
+            <a:endParaRPr lang="en-US" sz="2400" dirty="0"/>
+          </a:p>
+          <a:p>
+            <a:endParaRPr lang="en-US" sz="2400" dirty="0"/>
+          </a:p>
+          <a:p>
+            <a:r>
+              <a:rPr lang="en-US" sz="2400" dirty="0"/>
+              <a:t>Do you think I should actually act on any of your recommendations? Why or why not?</a:t>
+            </a:r>
+          </a:p>
+        </p:txBody>
+      </p:sp>
+    </p:spTree>
+    <p:extLst>
+      <p:ext uri="{BB962C8B-B14F-4D97-AF65-F5344CB8AC3E}">
+        <p14:creationId xmlns:p14="http://schemas.microsoft.com/office/powerpoint/2010/main" val="2531712011"/>
       </p:ext>
     </p:extLst>
   </p:cSld>
@@ -6162,4 +8365,299 @@
     </a:ext>
   </a:extLst>
 </a:theme>
+</file>
+
+<file path=ppt/theme/theme2.xml><?xml version="1.0" encoding="utf-8"?>
+<a:theme xmlns:a="http://schemas.openxmlformats.org/drawingml/2006/main" name="Office Theme">
+  <a:themeElements>
+    <a:clrScheme name="Office">
+      <a:dk1>
+        <a:sysClr val="windowText" lastClr="000000"/>
+      </a:dk1>
+      <a:lt1>
+        <a:sysClr val="window" lastClr="FFFFFF"/>
+      </a:lt1>
+      <a:dk2>
+        <a:srgbClr val="44546A"/>
+      </a:dk2>
+      <a:lt2>
+        <a:srgbClr val="E7E6E6"/>
+      </a:lt2>
+      <a:accent1>
+        <a:srgbClr val="4472C4"/>
+      </a:accent1>
+      <a:accent2>
+        <a:srgbClr val="ED7D31"/>
+      </a:accent2>
+      <a:accent3>
+        <a:srgbClr val="A5A5A5"/>
+      </a:accent3>
+      <a:accent4>
+        <a:srgbClr val="FFC000"/>
+      </a:accent4>
+      <a:accent5>
+        <a:srgbClr val="5B9BD5"/>
+      </a:accent5>
+      <a:accent6>
+        <a:srgbClr val="70AD47"/>
+      </a:accent6>
+      <a:hlink>
+        <a:srgbClr val="0563C1"/>
+      </a:hlink>
+      <a:folHlink>
+        <a:srgbClr val="954F72"/>
+      </a:folHlink>
+    </a:clrScheme>
+    <a:fontScheme name="Office">
+      <a:majorFont>
+        <a:latin typeface="Calibri Light" panose="020F0302020204030204"/>
+        <a:ea typeface=""/>
+        <a:cs typeface=""/>
+        <a:font script="Jpan" typeface="游ゴシック Light"/>
+        <a:font script="Hang" typeface="맑은 고딕"/>
+        <a:font script="Hans" typeface="等线 Light"/>
+        <a:font script="Hant" typeface="新細明體"/>
+        <a:font script="Arab" typeface="Times New Roman"/>
+        <a:font script="Hebr" typeface="Times New Roman"/>
+        <a:font script="Thai" typeface="Angsana New"/>
+        <a:font script="Ethi" typeface="Nyala"/>
+        <a:font script="Beng" typeface="Vrinda"/>
+        <a:font script="Gujr" typeface="Shruti"/>
+        <a:font script="Khmr" typeface="MoolBoran"/>
+        <a:font script="Knda" typeface="Tunga"/>
+        <a:font script="Guru" typeface="Raavi"/>
+        <a:font script="Cans" typeface="Euphemia"/>
+        <a:font script="Cher" typeface="Plantagenet Cherokee"/>
+        <a:font script="Yiii" typeface="Microsoft Yi Baiti"/>
+        <a:font script="Tibt" typeface="Microsoft Himalaya"/>
+        <a:font script="Thaa" typeface="MV Boli"/>
+        <a:font script="Deva" typeface="Mangal"/>
+        <a:font script="Telu" typeface="Gautami"/>
+        <a:font script="Taml" typeface="Latha"/>
+        <a:font script="Syrc" typeface="Estrangelo Edessa"/>
+        <a:font script="Orya" typeface="Kalinga"/>
+        <a:font script="Mlym" typeface="Kartika"/>
+        <a:font script="Laoo" typeface="DokChampa"/>
+        <a:font script="Sinh" typeface="Iskoola Pota"/>
+        <a:font script="Mong" typeface="Mongolian Baiti"/>
+        <a:font script="Viet" typeface="Times New Roman"/>
+        <a:font script="Uigh" typeface="Microsoft Uighur"/>
+        <a:font script="Geor" typeface="Sylfaen"/>
+        <a:font script="Armn" typeface="Arial"/>
+        <a:font script="Bugi" typeface="Leelawadee UI"/>
+        <a:font script="Bopo" typeface="Microsoft JhengHei"/>
+        <a:font script="Java" typeface="Javanese Text"/>
+        <a:font script="Lisu" typeface="Segoe UI"/>
+        <a:font script="Mymr" typeface="Myanmar Text"/>
+        <a:font script="Nkoo" typeface="Ebrima"/>
+        <a:font script="Olck" typeface="Nirmala UI"/>
+        <a:font script="Osma" typeface="Ebrima"/>
+        <a:font script="Phag" typeface="Phagspa"/>
+        <a:font script="Syrn" typeface="Estrangelo Edessa"/>
+        <a:font script="Syrj" typeface="Estrangelo Edessa"/>
+        <a:font script="Syre" typeface="Estrangelo Edessa"/>
+        <a:font script="Sora" typeface="Nirmala UI"/>
+        <a:font script="Tale" typeface="Microsoft Tai Le"/>
+        <a:font script="Talu" typeface="Microsoft New Tai Lue"/>
+        <a:font script="Tfng" typeface="Ebrima"/>
+      </a:majorFont>
+      <a:minorFont>
+        <a:latin typeface="Calibri" panose="020F0502020204030204"/>
+        <a:ea typeface=""/>
+        <a:cs typeface=""/>
+        <a:font script="Jpan" typeface="游ゴシック"/>
+        <a:font script="Hang" typeface="맑은 고딕"/>
+        <a:font script="Hans" typeface="等线"/>
+        <a:font script="Hant" typeface="新細明體"/>
+        <a:font script="Arab" typeface="Arial"/>
+        <a:font script="Hebr" typeface="Arial"/>
+        <a:font script="Thai" typeface="Cordia New"/>
+        <a:font script="Ethi" typeface="Nyala"/>
+        <a:font script="Beng" typeface="Vrinda"/>
+        <a:font script="Gujr" typeface="Shruti"/>
+        <a:font script="Khmr" typeface="DaunPenh"/>
+        <a:font script="Knda" typeface="Tunga"/>
+        <a:font script="Guru" typeface="Raavi"/>
+        <a:font script="Cans" typeface="Euphemia"/>
+        <a:font script="Cher" typeface="Plantagenet Cherokee"/>
+        <a:font script="Yiii" typeface="Microsoft Yi Baiti"/>
+        <a:font script="Tibt" typeface="Microsoft Himalaya"/>
+        <a:font script="Thaa" typeface="MV Boli"/>
+        <a:font script="Deva" typeface="Mangal"/>
+        <a:font script="Telu" typeface="Gautami"/>
+        <a:font script="Taml" typeface="Latha"/>
+        <a:font script="Syrc" typeface="Estrangelo Edessa"/>
+        <a:font script="Orya" typeface="Kalinga"/>
+        <a:font script="Mlym" typeface="Kartika"/>
+        <a:font script="Laoo" typeface="DokChampa"/>
+        <a:font script="Sinh" typeface="Iskoola Pota"/>
+        <a:font script="Mong" typeface="Mongolian Baiti"/>
+        <a:font script="Viet" typeface="Arial"/>
+        <a:font script="Uigh" typeface="Microsoft Uighur"/>
+        <a:font script="Geor" typeface="Sylfaen"/>
+        <a:font script="Armn" typeface="Arial"/>
+        <a:font script="Bugi" typeface="Leelawadee UI"/>
+        <a:font script="Bopo" typeface="Microsoft JhengHei"/>
+        <a:font script="Java" typeface="Javanese Text"/>
+        <a:font script="Lisu" typeface="Segoe UI"/>
+        <a:font script="Mymr" typeface="Myanmar Text"/>
+        <a:font script="Nkoo" typeface="Ebrima"/>
+        <a:font script="Olck" typeface="Nirmala UI"/>
+        <a:font script="Osma" typeface="Ebrima"/>
+        <a:font script="Phag" typeface="Phagspa"/>
+        <a:font script="Syrn" typeface="Estrangelo Edessa"/>
+        <a:font script="Syrj" typeface="Estrangelo Edessa"/>
+        <a:font script="Syre" typeface="Estrangelo Edessa"/>
+        <a:font script="Sora" typeface="Nirmala UI"/>
+        <a:font script="Tale" typeface="Microsoft Tai Le"/>
+        <a:font script="Talu" typeface="Microsoft New Tai Lue"/>
+        <a:font script="Tfng" typeface="Ebrima"/>
+      </a:minorFont>
+    </a:fontScheme>
+    <a:fmtScheme name="Office">
+      <a:fillStyleLst>
+        <a:solidFill>
+          <a:schemeClr val="phClr"/>
+        </a:solidFill>
+        <a:gradFill rotWithShape="1">
+          <a:gsLst>
+            <a:gs pos="0">
+              <a:schemeClr val="phClr">
+                <a:lumMod val="110000"/>
+                <a:satMod val="105000"/>
+                <a:tint val="67000"/>
+              </a:schemeClr>
+            </a:gs>
+            <a:gs pos="50000">
+              <a:schemeClr val="phClr">
+                <a:lumMod val="105000"/>
+                <a:satMod val="103000"/>
+                <a:tint val="73000"/>
+              </a:schemeClr>
+            </a:gs>
+            <a:gs pos="100000">
+              <a:schemeClr val="phClr">
+                <a:lumMod val="105000"/>
+                <a:satMod val="109000"/>
+                <a:tint val="81000"/>
+              </a:schemeClr>
+            </a:gs>
+          </a:gsLst>
+          <a:lin ang="5400000" scaled="0"/>
+        </a:gradFill>
+        <a:gradFill rotWithShape="1">
+          <a:gsLst>
+            <a:gs pos="0">
+              <a:schemeClr val="phClr">
+                <a:satMod val="103000"/>
+                <a:lumMod val="102000"/>
+                <a:tint val="94000"/>
+              </a:schemeClr>
+            </a:gs>
+            <a:gs pos="50000">
+              <a:schemeClr val="phClr">
+                <a:satMod val="110000"/>
+                <a:lumMod val="100000"/>
+                <a:shade val="100000"/>
+              </a:schemeClr>
+            </a:gs>
+            <a:gs pos="100000">
+              <a:schemeClr val="phClr">
+                <a:lumMod val="99000"/>
+                <a:satMod val="120000"/>
+                <a:shade val="78000"/>
+              </a:schemeClr>
+            </a:gs>
+          </a:gsLst>
+          <a:lin ang="5400000" scaled="0"/>
+        </a:gradFill>
+      </a:fillStyleLst>
+      <a:lnStyleLst>
+        <a:ln w="6350" cap="flat" cmpd="sng" algn="ctr">
+          <a:solidFill>
+            <a:schemeClr val="phClr"/>
+          </a:solidFill>
+          <a:prstDash val="solid"/>
+          <a:miter lim="800000"/>
+        </a:ln>
+        <a:ln w="12700" cap="flat" cmpd="sng" algn="ctr">
+          <a:solidFill>
+            <a:schemeClr val="phClr"/>
+          </a:solidFill>
+          <a:prstDash val="solid"/>
+          <a:miter lim="800000"/>
+        </a:ln>
+        <a:ln w="19050" cap="flat" cmpd="sng" algn="ctr">
+          <a:solidFill>
+            <a:schemeClr val="phClr"/>
+          </a:solidFill>
+          <a:prstDash val="solid"/>
+          <a:miter lim="800000"/>
+        </a:ln>
+      </a:lnStyleLst>
+      <a:effectStyleLst>
+        <a:effectStyle>
+          <a:effectLst/>
+        </a:effectStyle>
+        <a:effectStyle>
+          <a:effectLst/>
+        </a:effectStyle>
+        <a:effectStyle>
+          <a:effectLst>
+            <a:outerShdw blurRad="57150" dist="19050" dir="5400000" algn="ctr" rotWithShape="0">
+              <a:srgbClr val="000000">
+                <a:alpha val="63000"/>
+              </a:srgbClr>
+            </a:outerShdw>
+          </a:effectLst>
+        </a:effectStyle>
+      </a:effectStyleLst>
+      <a:bgFillStyleLst>
+        <a:solidFill>
+          <a:schemeClr val="phClr"/>
+        </a:solidFill>
+        <a:solidFill>
+          <a:schemeClr val="phClr">
+            <a:tint val="95000"/>
+            <a:satMod val="170000"/>
+          </a:schemeClr>
+        </a:solidFill>
+        <a:gradFill rotWithShape="1">
+          <a:gsLst>
+            <a:gs pos="0">
+              <a:schemeClr val="phClr">
+                <a:tint val="93000"/>
+                <a:satMod val="150000"/>
+                <a:shade val="98000"/>
+                <a:lumMod val="102000"/>
+              </a:schemeClr>
+            </a:gs>
+            <a:gs pos="50000">
+              <a:schemeClr val="phClr">
+                <a:tint val="98000"/>
+                <a:satMod val="130000"/>
+                <a:shade val="90000"/>
+                <a:lumMod val="103000"/>
+              </a:schemeClr>
+            </a:gs>
+            <a:gs pos="100000">
+              <a:schemeClr val="phClr">
+                <a:shade val="63000"/>
+                <a:satMod val="120000"/>
+              </a:schemeClr>
+            </a:gs>
+          </a:gsLst>
+          <a:lin ang="5400000" scaled="0"/>
+        </a:gradFill>
+      </a:bgFillStyleLst>
+    </a:fmtScheme>
+  </a:themeElements>
+  <a:objectDefaults/>
+  <a:extraClrSchemeLst/>
+  <a:extLst>
+    <a:ext uri="{05A4C25C-085E-4340-85A3-A5531E510DB2}">
+      <thm15:themeFamily xmlns:thm15="http://schemas.microsoft.com/office/thememl/2012/main" name="Office Theme" id="{62F939B6-93AF-4DB8-9C6B-D6C7DFDC589F}" vid="{4A3C46E8-61CC-4603-A589-7422A47A8E4A}"/>
+    </a:ext>
+  </a:extLst>
+</a:theme>
 </file>
--- a/Our Class Graph Slides.pptx
+++ b/Our Class Graph Slides.pptx
@@ -205,7 +205,7 @@
           <a:p>
             <a:fld id="{1D029EFD-DFBB-4EE0-8EC1-33E0519F88A0}" type="datetimeFigureOut">
               <a:rPr lang="en-US" smtClean="0"/>
-              <a:t>4/26/2019</a:t>
+              <a:t>4/29/2019</a:t>
             </a:fld>
             <a:endParaRPr lang="en-US"/>
           </a:p>
@@ -518,7 +518,7 @@
           <a:p>
             <a:r>
               <a:rPr lang="en-US" dirty="0"/>
-              <a:t>Hook: You, as the teacher of this class, want to learn how well connected the class is. Developing strong collaborative relationships within the class is important to you. This survey is a chance for you to learn without having to ask everyone, and it makes a great activity to boot. </a:t>
+              <a:t>Here is one idea for how to present this activity to the class: You, as the teacher of this class, want to learn how well connected the class is. Developing strong collaborative relationships within the class is important to you. This survey is a chance for you to learn without having to ask everyone, and it makes a great activity to boot. </a:t>
             </a:r>
           </a:p>
         </p:txBody>
@@ -1898,7 +1898,7 @@
           <a:p>
             <a:fld id="{3D4B9D3E-6E2A-4981-83F4-010F32C81BAE}" type="datetimeFigureOut">
               <a:rPr lang="en-US" smtClean="0"/>
-              <a:t>4/26/2019</a:t>
+              <a:t>4/29/2019</a:t>
             </a:fld>
             <a:endParaRPr lang="en-US"/>
           </a:p>
@@ -2149,7 +2149,7 @@
           <a:p>
             <a:fld id="{3D4B9D3E-6E2A-4981-83F4-010F32C81BAE}" type="datetimeFigureOut">
               <a:rPr lang="en-US" smtClean="0"/>
-              <a:t>4/26/2019</a:t>
+              <a:t>4/29/2019</a:t>
             </a:fld>
             <a:endParaRPr lang="en-US"/>
           </a:p>
@@ -2463,7 +2463,7 @@
           <a:p>
             <a:fld id="{3D4B9D3E-6E2A-4981-83F4-010F32C81BAE}" type="datetimeFigureOut">
               <a:rPr lang="en-US" smtClean="0"/>
-              <a:t>4/26/2019</a:t>
+              <a:t>4/29/2019</a:t>
             </a:fld>
             <a:endParaRPr lang="en-US"/>
           </a:p>
@@ -2804,7 +2804,7 @@
           <a:p>
             <a:fld id="{3D4B9D3E-6E2A-4981-83F4-010F32C81BAE}" type="datetimeFigureOut">
               <a:rPr lang="en-US" smtClean="0"/>
-              <a:t>4/26/2019</a:t>
+              <a:t>4/29/2019</a:t>
             </a:fld>
             <a:endParaRPr lang="en-US"/>
           </a:p>
@@ -3118,7 +3118,7 @@
           <a:p>
             <a:fld id="{3D4B9D3E-6E2A-4981-83F4-010F32C81BAE}" type="datetimeFigureOut">
               <a:rPr lang="en-US" smtClean="0"/>
-              <a:t>4/26/2019</a:t>
+              <a:t>4/29/2019</a:t>
             </a:fld>
             <a:endParaRPr lang="en-US"/>
           </a:p>
@@ -3511,7 +3511,7 @@
           <a:p>
             <a:fld id="{3D4B9D3E-6E2A-4981-83F4-010F32C81BAE}" type="datetimeFigureOut">
               <a:rPr lang="en-US" smtClean="0"/>
-              <a:t>4/26/2019</a:t>
+              <a:t>4/29/2019</a:t>
             </a:fld>
             <a:endParaRPr lang="en-US"/>
           </a:p>
@@ -3681,7 +3681,7 @@
           <a:p>
             <a:fld id="{3D4B9D3E-6E2A-4981-83F4-010F32C81BAE}" type="datetimeFigureOut">
               <a:rPr lang="en-US" smtClean="0"/>
-              <a:t>4/26/2019</a:t>
+              <a:t>4/29/2019</a:t>
             </a:fld>
             <a:endParaRPr lang="en-US"/>
           </a:p>
@@ -3861,7 +3861,7 @@
           <a:p>
             <a:fld id="{3D4B9D3E-6E2A-4981-83F4-010F32C81BAE}" type="datetimeFigureOut">
               <a:rPr lang="en-US" smtClean="0"/>
-              <a:t>4/26/2019</a:t>
+              <a:t>4/29/2019</a:t>
             </a:fld>
             <a:endParaRPr lang="en-US"/>
           </a:p>
@@ -4037,7 +4037,7 @@
           <a:p>
             <a:fld id="{3D4B9D3E-6E2A-4981-83F4-010F32C81BAE}" type="datetimeFigureOut">
               <a:rPr lang="en-US" smtClean="0"/>
-              <a:t>4/26/2019</a:t>
+              <a:t>4/29/2019</a:t>
             </a:fld>
             <a:endParaRPr lang="en-US"/>
           </a:p>
@@ -4284,7 +4284,7 @@
           <a:p>
             <a:fld id="{3D4B9D3E-6E2A-4981-83F4-010F32C81BAE}" type="datetimeFigureOut">
               <a:rPr lang="en-US" smtClean="0"/>
-              <a:t>4/26/2019</a:t>
+              <a:t>4/29/2019</a:t>
             </a:fld>
             <a:endParaRPr lang="en-US"/>
           </a:p>
@@ -4516,7 +4516,7 @@
           <a:p>
             <a:fld id="{3D4B9D3E-6E2A-4981-83F4-010F32C81BAE}" type="datetimeFigureOut">
               <a:rPr lang="en-US" smtClean="0"/>
-              <a:t>4/26/2019</a:t>
+              <a:t>4/29/2019</a:t>
             </a:fld>
             <a:endParaRPr lang="en-US"/>
           </a:p>
@@ -4890,7 +4890,7 @@
           <a:p>
             <a:fld id="{3D4B9D3E-6E2A-4981-83F4-010F32C81BAE}" type="datetimeFigureOut">
               <a:rPr lang="en-US" smtClean="0"/>
-              <a:t>4/26/2019</a:t>
+              <a:t>4/29/2019</a:t>
             </a:fld>
             <a:endParaRPr lang="en-US"/>
           </a:p>
@@ -5013,7 +5013,7 @@
           <a:p>
             <a:fld id="{3D4B9D3E-6E2A-4981-83F4-010F32C81BAE}" type="datetimeFigureOut">
               <a:rPr lang="en-US" smtClean="0"/>
-              <a:t>4/26/2019</a:t>
+              <a:t>4/29/2019</a:t>
             </a:fld>
             <a:endParaRPr lang="en-US"/>
           </a:p>
@@ -5108,7 +5108,7 @@
           <a:p>
             <a:fld id="{3D4B9D3E-6E2A-4981-83F4-010F32C81BAE}" type="datetimeFigureOut">
               <a:rPr lang="en-US" smtClean="0"/>
-              <a:t>4/26/2019</a:t>
+              <a:t>4/29/2019</a:t>
             </a:fld>
             <a:endParaRPr lang="en-US"/>
           </a:p>
@@ -5363,7 +5363,7 @@
           <a:p>
             <a:fld id="{3D4B9D3E-6E2A-4981-83F4-010F32C81BAE}" type="datetimeFigureOut">
               <a:rPr lang="en-US" smtClean="0"/>
-              <a:t>4/26/2019</a:t>
+              <a:t>4/29/2019</a:t>
             </a:fld>
             <a:endParaRPr lang="en-US"/>
           </a:p>
@@ -5626,7 +5626,7 @@
           <a:p>
             <a:fld id="{3D4B9D3E-6E2A-4981-83F4-010F32C81BAE}" type="datetimeFigureOut">
               <a:rPr lang="en-US" smtClean="0"/>
-              <a:t>4/26/2019</a:t>
+              <a:t>4/29/2019</a:t>
             </a:fld>
             <a:endParaRPr lang="en-US"/>
           </a:p>
@@ -6369,7 +6369,7 @@
           <a:p>
             <a:fld id="{3D4B9D3E-6E2A-4981-83F4-010F32C81BAE}" type="datetimeFigureOut">
               <a:rPr lang="en-US" smtClean="0"/>
-              <a:t>4/26/2019</a:t>
+              <a:t>4/29/2019</a:t>
             </a:fld>
             <a:endParaRPr lang="en-US"/>
           </a:p>
@@ -7224,10 +7224,16 @@
             </a:r>
           </a:p>
           <a:p>
+            <a:endParaRPr lang="en-US" sz="2400" dirty="0"/>
+          </a:p>
+          <a:p>
             <a:r>
               <a:rPr lang="en-US" sz="2400" dirty="0"/>
               <a:t>Describe networks using concepts such as connectivity, centrality and communities</a:t>
             </a:r>
+          </a:p>
+          <a:p>
+            <a:endParaRPr lang="en-US" sz="2400" dirty="0"/>
           </a:p>
           <a:p>
             <a:r>
@@ -7393,7 +7399,7 @@
             </a:pPr>
             <a:r>
               <a:rPr lang="en-US" sz="2200" dirty="0"/>
-              <a:t>Each group will share with the class one finding and related recommendation (20 min)</a:t>
+              <a:t>Each group will share with the class one recommendation and supporting findings (20 min)</a:t>
             </a:r>
           </a:p>
           <a:p>
@@ -7530,7 +7536,7 @@
         <p:spPr>
           <a:xfrm>
             <a:off x="677334" y="1664839"/>
-            <a:ext cx="8596668" cy="4376523"/>
+            <a:ext cx="9082242" cy="4583561"/>
           </a:xfrm>
         </p:spPr>
         <p:txBody>
@@ -7568,11 +7574,8 @@
           <a:p>
             <a:r>
               <a:rPr lang="en-US" sz="2200" dirty="0"/>
-              <a:t>Task 5 asks you to make recommendations to me for improving class cohesion. I promise to listen to your recommendations, but not necessarily to use them</a:t>
-            </a:r>
-          </a:p>
-          <a:p>
-            <a:endParaRPr lang="en-US" sz="2200" dirty="0"/>
+              <a:t>Task 5 in the Jupyter Notebook asks you to make recommendations to me for improving class cohesion. I promise to listen to your recommendations, but not necessarily to use them</a:t>
+            </a:r>
           </a:p>
         </p:txBody>
       </p:sp>
@@ -7775,7 +7778,12 @@
             <p:ph idx="1"/>
           </p:nvPr>
         </p:nvSpPr>
-        <p:spPr/>
+        <p:spPr>
+          <a:xfrm>
+            <a:off x="677334" y="2160589"/>
+            <a:ext cx="8596668" cy="4431458"/>
+          </a:xfrm>
+        </p:spPr>
         <p:txBody>
           <a:bodyPr>
             <a:normAutofit/>
@@ -7791,7 +7799,7 @@
                   </a:schemeClr>
                 </a:solidFill>
               </a:rPr>
-              <a:t>You will have ~1 minute to share one recommendation and the findings that support that recommendation</a:t>
+              <a:t>In the next step of this activity, each group will present one recommendation and the findings that support that recommendation</a:t>
             </a:r>
             <a:endParaRPr lang="en-US" sz="2400" i="1" dirty="0">
               <a:solidFill>
@@ -7822,7 +7830,7 @@
                   </a:schemeClr>
                 </a:solidFill>
               </a:rPr>
-              <a:t>The class will have ~3 minutes to ask questions after you share</a:t>
+              <a:t>You will have ~1 minute to share, and the class will have ~3 minutes to ask questions</a:t>
             </a:r>
           </a:p>
           <a:p>
@@ -8063,13 +8071,13 @@
         </p:spPr>
         <p:txBody>
           <a:bodyPr>
-            <a:normAutofit/>
+            <a:normAutofit lnSpcReduction="10000"/>
           </a:bodyPr>
           <a:lstStyle/>
           <a:p>
             <a:r>
               <a:rPr lang="en-US" sz="2400" dirty="0"/>
-              <a:t>What were some limitations to this analysis? How might you revise the activity to address them?</a:t>
+              <a:t>Did you see any overarching themes in our findings or recommendations?</a:t>
             </a:r>
           </a:p>
           <a:p>
@@ -8078,13 +8086,17 @@
           <a:p>
             <a:r>
               <a:rPr lang="en-US" sz="2400" dirty="0"/>
-              <a:t>Could this class graph be useful for anything other than recommendations </a:t>
-            </a:r>
-            <a:r>
-              <a:rPr lang="en-US" sz="2400"/>
-              <a:t>for me?</a:t>
-            </a:r>
+              <a:t>What were some limitations to our analysis? How might you change the survey or analysis to address them?</a:t>
+            </a:r>
+          </a:p>
+          <a:p>
             <a:endParaRPr lang="en-US" sz="2400" dirty="0"/>
+          </a:p>
+          <a:p>
+            <a:r>
+              <a:rPr lang="en-US" sz="2400" dirty="0"/>
+              <a:t>Could this class graph be useful for anything other than recommendations for me?</a:t>
+            </a:r>
           </a:p>
           <a:p>
             <a:endParaRPr lang="en-US" sz="2400" dirty="0"/>

--- a/Our Class Graph Slides.pptx
+++ b/Our Class Graph Slides.pptx
@@ -205,7 +205,7 @@
           <a:p>
             <a:fld id="{1D029EFD-DFBB-4EE0-8EC1-33E0519F88A0}" type="datetimeFigureOut">
               <a:rPr lang="en-US" smtClean="0"/>
-              <a:t>4/29/2019</a:t>
+              <a:t>5/8/2019</a:t>
             </a:fld>
             <a:endParaRPr lang="en-US"/>
           </a:p>
@@ -1048,7 +1048,7 @@
           <a:p>
             <a:r>
               <a:rPr lang="en-US" dirty="0"/>
-              <a:t>Put up this slide when you’re ready to have groups share out</a:t>
+              <a:t>Put up this slide when you’re ready to have groups share out. In total, this section should take about 20 minutes</a:t>
             </a:r>
           </a:p>
         </p:txBody>
@@ -1898,7 +1898,7 @@
           <a:p>
             <a:fld id="{3D4B9D3E-6E2A-4981-83F4-010F32C81BAE}" type="datetimeFigureOut">
               <a:rPr lang="en-US" smtClean="0"/>
-              <a:t>4/29/2019</a:t>
+              <a:t>5/8/2019</a:t>
             </a:fld>
             <a:endParaRPr lang="en-US"/>
           </a:p>
@@ -2149,7 +2149,7 @@
           <a:p>
             <a:fld id="{3D4B9D3E-6E2A-4981-83F4-010F32C81BAE}" type="datetimeFigureOut">
               <a:rPr lang="en-US" smtClean="0"/>
-              <a:t>4/29/2019</a:t>
+              <a:t>5/8/2019</a:t>
             </a:fld>
             <a:endParaRPr lang="en-US"/>
           </a:p>
@@ -2463,7 +2463,7 @@
           <a:p>
             <a:fld id="{3D4B9D3E-6E2A-4981-83F4-010F32C81BAE}" type="datetimeFigureOut">
               <a:rPr lang="en-US" smtClean="0"/>
-              <a:t>4/29/2019</a:t>
+              <a:t>5/8/2019</a:t>
             </a:fld>
             <a:endParaRPr lang="en-US"/>
           </a:p>
@@ -2804,7 +2804,7 @@
           <a:p>
             <a:fld id="{3D4B9D3E-6E2A-4981-83F4-010F32C81BAE}" type="datetimeFigureOut">
               <a:rPr lang="en-US" smtClean="0"/>
-              <a:t>4/29/2019</a:t>
+              <a:t>5/8/2019</a:t>
             </a:fld>
             <a:endParaRPr lang="en-US"/>
           </a:p>
@@ -3118,7 +3118,7 @@
           <a:p>
             <a:fld id="{3D4B9D3E-6E2A-4981-83F4-010F32C81BAE}" type="datetimeFigureOut">
               <a:rPr lang="en-US" smtClean="0"/>
-              <a:t>4/29/2019</a:t>
+              <a:t>5/8/2019</a:t>
             </a:fld>
             <a:endParaRPr lang="en-US"/>
           </a:p>
@@ -3511,7 +3511,7 @@
           <a:p>
             <a:fld id="{3D4B9D3E-6E2A-4981-83F4-010F32C81BAE}" type="datetimeFigureOut">
               <a:rPr lang="en-US" smtClean="0"/>
-              <a:t>4/29/2019</a:t>
+              <a:t>5/8/2019</a:t>
             </a:fld>
             <a:endParaRPr lang="en-US"/>
           </a:p>
@@ -3681,7 +3681,7 @@
           <a:p>
             <a:fld id="{3D4B9D3E-6E2A-4981-83F4-010F32C81BAE}" type="datetimeFigureOut">
               <a:rPr lang="en-US" smtClean="0"/>
-              <a:t>4/29/2019</a:t>
+              <a:t>5/8/2019</a:t>
             </a:fld>
             <a:endParaRPr lang="en-US"/>
           </a:p>
@@ -3861,7 +3861,7 @@
           <a:p>
             <a:fld id="{3D4B9D3E-6E2A-4981-83F4-010F32C81BAE}" type="datetimeFigureOut">
               <a:rPr lang="en-US" smtClean="0"/>
-              <a:t>4/29/2019</a:t>
+              <a:t>5/8/2019</a:t>
             </a:fld>
             <a:endParaRPr lang="en-US"/>
           </a:p>
@@ -4037,7 +4037,7 @@
           <a:p>
             <a:fld id="{3D4B9D3E-6E2A-4981-83F4-010F32C81BAE}" type="datetimeFigureOut">
               <a:rPr lang="en-US" smtClean="0"/>
-              <a:t>4/29/2019</a:t>
+              <a:t>5/8/2019</a:t>
             </a:fld>
             <a:endParaRPr lang="en-US"/>
           </a:p>
@@ -4284,7 +4284,7 @@
           <a:p>
             <a:fld id="{3D4B9D3E-6E2A-4981-83F4-010F32C81BAE}" type="datetimeFigureOut">
               <a:rPr lang="en-US" smtClean="0"/>
-              <a:t>4/29/2019</a:t>
+              <a:t>5/8/2019</a:t>
             </a:fld>
             <a:endParaRPr lang="en-US"/>
           </a:p>
@@ -4516,7 +4516,7 @@
           <a:p>
             <a:fld id="{3D4B9D3E-6E2A-4981-83F4-010F32C81BAE}" type="datetimeFigureOut">
               <a:rPr lang="en-US" smtClean="0"/>
-              <a:t>4/29/2019</a:t>
+              <a:t>5/8/2019</a:t>
             </a:fld>
             <a:endParaRPr lang="en-US"/>
           </a:p>
@@ -4890,7 +4890,7 @@
           <a:p>
             <a:fld id="{3D4B9D3E-6E2A-4981-83F4-010F32C81BAE}" type="datetimeFigureOut">
               <a:rPr lang="en-US" smtClean="0"/>
-              <a:t>4/29/2019</a:t>
+              <a:t>5/8/2019</a:t>
             </a:fld>
             <a:endParaRPr lang="en-US"/>
           </a:p>
@@ -5013,7 +5013,7 @@
           <a:p>
             <a:fld id="{3D4B9D3E-6E2A-4981-83F4-010F32C81BAE}" type="datetimeFigureOut">
               <a:rPr lang="en-US" smtClean="0"/>
-              <a:t>4/29/2019</a:t>
+              <a:t>5/8/2019</a:t>
             </a:fld>
             <a:endParaRPr lang="en-US"/>
           </a:p>
@@ -5108,7 +5108,7 @@
           <a:p>
             <a:fld id="{3D4B9D3E-6E2A-4981-83F4-010F32C81BAE}" type="datetimeFigureOut">
               <a:rPr lang="en-US" smtClean="0"/>
-              <a:t>4/29/2019</a:t>
+              <a:t>5/8/2019</a:t>
             </a:fld>
             <a:endParaRPr lang="en-US"/>
           </a:p>
@@ -5363,7 +5363,7 @@
           <a:p>
             <a:fld id="{3D4B9D3E-6E2A-4981-83F4-010F32C81BAE}" type="datetimeFigureOut">
               <a:rPr lang="en-US" smtClean="0"/>
-              <a:t>4/29/2019</a:t>
+              <a:t>5/8/2019</a:t>
             </a:fld>
             <a:endParaRPr lang="en-US"/>
           </a:p>
@@ -5626,7 +5626,7 @@
           <a:p>
             <a:fld id="{3D4B9D3E-6E2A-4981-83F4-010F32C81BAE}" type="datetimeFigureOut">
               <a:rPr lang="en-US" smtClean="0"/>
-              <a:t>4/29/2019</a:t>
+              <a:t>5/8/2019</a:t>
             </a:fld>
             <a:endParaRPr lang="en-US"/>
           </a:p>
@@ -6369,7 +6369,7 @@
           <a:p>
             <a:fld id="{3D4B9D3E-6E2A-4981-83F4-010F32C81BAE}" type="datetimeFigureOut">
               <a:rPr lang="en-US" smtClean="0"/>
-              <a:t>4/29/2019</a:t>
+              <a:t>5/8/2019</a:t>
             </a:fld>
             <a:endParaRPr lang="en-US"/>
           </a:p>
